--- a/Documents/DrawSection.pptx
+++ b/Documents/DrawSection.pptx
@@ -288,7 +288,8 @@
           <a:p>
             <a:fld id="{54D07814-5129-4E1E-A754-038BD4D488A0}" type="datetimeFigureOut">
               <a:rPr kumimoji="1" lang="ja-JP" altLang="en-US" smtClean="0"/>
-              <a:t>2013/4/28</a:t>
+              <a:pPr/>
+              <a:t>2013/4/29</a:t>
             </a:fld>
             <a:endParaRPr kumimoji="1" lang="ja-JP" altLang="en-US"/>
           </a:p>
@@ -330,6 +331,7 @@
           <a:p>
             <a:fld id="{F168D6A1-1BDA-415D-B4D6-C07DEBE29B51}" type="slidenum">
               <a:rPr kumimoji="1" lang="ja-JP" altLang="en-US" smtClean="0"/>
+              <a:pPr/>
               <a:t>&lt;#&gt;</a:t>
             </a:fld>
             <a:endParaRPr kumimoji="1" lang="ja-JP" altLang="en-US"/>
@@ -485,7 +487,8 @@
           <a:p>
             <a:fld id="{54D07814-5129-4E1E-A754-038BD4D488A0}" type="datetimeFigureOut">
               <a:rPr kumimoji="1" lang="ja-JP" altLang="en-US" smtClean="0"/>
-              <a:t>2013/4/28</a:t>
+              <a:pPr/>
+              <a:t>2013/4/29</a:t>
             </a:fld>
             <a:endParaRPr kumimoji="1" lang="ja-JP" altLang="en-US"/>
           </a:p>
@@ -527,6 +530,7 @@
           <a:p>
             <a:fld id="{F168D6A1-1BDA-415D-B4D6-C07DEBE29B51}" type="slidenum">
               <a:rPr kumimoji="1" lang="ja-JP" altLang="en-US" smtClean="0"/>
+              <a:pPr/>
               <a:t>&lt;#&gt;</a:t>
             </a:fld>
             <a:endParaRPr kumimoji="1" lang="ja-JP" altLang="en-US"/>
@@ -692,7 +696,8 @@
           <a:p>
             <a:fld id="{54D07814-5129-4E1E-A754-038BD4D488A0}" type="datetimeFigureOut">
               <a:rPr kumimoji="1" lang="ja-JP" altLang="en-US" smtClean="0"/>
-              <a:t>2013/4/28</a:t>
+              <a:pPr/>
+              <a:t>2013/4/29</a:t>
             </a:fld>
             <a:endParaRPr kumimoji="1" lang="ja-JP" altLang="en-US"/>
           </a:p>
@@ -734,6 +739,7 @@
           <a:p>
             <a:fld id="{F168D6A1-1BDA-415D-B4D6-C07DEBE29B51}" type="slidenum">
               <a:rPr kumimoji="1" lang="ja-JP" altLang="en-US" smtClean="0"/>
+              <a:pPr/>
               <a:t>&lt;#&gt;</a:t>
             </a:fld>
             <a:endParaRPr kumimoji="1" lang="ja-JP" altLang="en-US"/>
@@ -889,7 +895,8 @@
           <a:p>
             <a:fld id="{54D07814-5129-4E1E-A754-038BD4D488A0}" type="datetimeFigureOut">
               <a:rPr kumimoji="1" lang="ja-JP" altLang="en-US" smtClean="0"/>
-              <a:t>2013/4/28</a:t>
+              <a:pPr/>
+              <a:t>2013/4/29</a:t>
             </a:fld>
             <a:endParaRPr kumimoji="1" lang="ja-JP" altLang="en-US"/>
           </a:p>
@@ -931,6 +938,7 @@
           <a:p>
             <a:fld id="{F168D6A1-1BDA-415D-B4D6-C07DEBE29B51}" type="slidenum">
               <a:rPr kumimoji="1" lang="ja-JP" altLang="en-US" smtClean="0"/>
+              <a:pPr/>
               <a:t>&lt;#&gt;</a:t>
             </a:fld>
             <a:endParaRPr kumimoji="1" lang="ja-JP" altLang="en-US"/>
@@ -1130,7 +1138,8 @@
           <a:p>
             <a:fld id="{54D07814-5129-4E1E-A754-038BD4D488A0}" type="datetimeFigureOut">
               <a:rPr kumimoji="1" lang="ja-JP" altLang="en-US" smtClean="0"/>
-              <a:t>2013/4/28</a:t>
+              <a:pPr/>
+              <a:t>2013/4/29</a:t>
             </a:fld>
             <a:endParaRPr kumimoji="1" lang="ja-JP" altLang="en-US"/>
           </a:p>
@@ -1172,6 +1181,7 @@
           <a:p>
             <a:fld id="{F168D6A1-1BDA-415D-B4D6-C07DEBE29B51}" type="slidenum">
               <a:rPr kumimoji="1" lang="ja-JP" altLang="en-US" smtClean="0"/>
+              <a:pPr/>
               <a:t>&lt;#&gt;</a:t>
             </a:fld>
             <a:endParaRPr kumimoji="1" lang="ja-JP" altLang="en-US"/>
@@ -1477,7 +1487,8 @@
           <a:p>
             <a:fld id="{54D07814-5129-4E1E-A754-038BD4D488A0}" type="datetimeFigureOut">
               <a:rPr kumimoji="1" lang="ja-JP" altLang="en-US" smtClean="0"/>
-              <a:t>2013/4/28</a:t>
+              <a:pPr/>
+              <a:t>2013/4/29</a:t>
             </a:fld>
             <a:endParaRPr kumimoji="1" lang="ja-JP" altLang="en-US"/>
           </a:p>
@@ -1519,6 +1530,7 @@
           <a:p>
             <a:fld id="{F168D6A1-1BDA-415D-B4D6-C07DEBE29B51}" type="slidenum">
               <a:rPr kumimoji="1" lang="ja-JP" altLang="en-US" smtClean="0"/>
+              <a:pPr/>
               <a:t>&lt;#&gt;</a:t>
             </a:fld>
             <a:endParaRPr kumimoji="1" lang="ja-JP" altLang="en-US"/>
@@ -1958,7 +1970,8 @@
           <a:p>
             <a:fld id="{54D07814-5129-4E1E-A754-038BD4D488A0}" type="datetimeFigureOut">
               <a:rPr kumimoji="1" lang="ja-JP" altLang="en-US" smtClean="0"/>
-              <a:t>2013/4/28</a:t>
+              <a:pPr/>
+              <a:t>2013/4/29</a:t>
             </a:fld>
             <a:endParaRPr kumimoji="1" lang="ja-JP" altLang="en-US"/>
           </a:p>
@@ -2000,6 +2013,7 @@
           <a:p>
             <a:fld id="{F168D6A1-1BDA-415D-B4D6-C07DEBE29B51}" type="slidenum">
               <a:rPr kumimoji="1" lang="ja-JP" altLang="en-US" smtClean="0"/>
+              <a:pPr/>
               <a:t>&lt;#&gt;</a:t>
             </a:fld>
             <a:endParaRPr kumimoji="1" lang="ja-JP" altLang="en-US"/>
@@ -2071,7 +2085,8 @@
           <a:p>
             <a:fld id="{54D07814-5129-4E1E-A754-038BD4D488A0}" type="datetimeFigureOut">
               <a:rPr kumimoji="1" lang="ja-JP" altLang="en-US" smtClean="0"/>
-              <a:t>2013/4/28</a:t>
+              <a:pPr/>
+              <a:t>2013/4/29</a:t>
             </a:fld>
             <a:endParaRPr kumimoji="1" lang="ja-JP" altLang="en-US"/>
           </a:p>
@@ -2113,6 +2128,7 @@
           <a:p>
             <a:fld id="{F168D6A1-1BDA-415D-B4D6-C07DEBE29B51}" type="slidenum">
               <a:rPr kumimoji="1" lang="ja-JP" altLang="en-US" smtClean="0"/>
+              <a:pPr/>
               <a:t>&lt;#&gt;</a:t>
             </a:fld>
             <a:endParaRPr kumimoji="1" lang="ja-JP" altLang="en-US"/>
@@ -2161,7 +2177,8 @@
           <a:p>
             <a:fld id="{54D07814-5129-4E1E-A754-038BD4D488A0}" type="datetimeFigureOut">
               <a:rPr kumimoji="1" lang="ja-JP" altLang="en-US" smtClean="0"/>
-              <a:t>2013/4/28</a:t>
+              <a:pPr/>
+              <a:t>2013/4/29</a:t>
             </a:fld>
             <a:endParaRPr kumimoji="1" lang="ja-JP" altLang="en-US"/>
           </a:p>
@@ -2203,6 +2220,7 @@
           <a:p>
             <a:fld id="{F168D6A1-1BDA-415D-B4D6-C07DEBE29B51}" type="slidenum">
               <a:rPr kumimoji="1" lang="ja-JP" altLang="en-US" smtClean="0"/>
+              <a:pPr/>
               <a:t>&lt;#&gt;</a:t>
             </a:fld>
             <a:endParaRPr kumimoji="1" lang="ja-JP" altLang="en-US"/>
@@ -2465,7 +2483,8 @@
           <a:p>
             <a:fld id="{54D07814-5129-4E1E-A754-038BD4D488A0}" type="datetimeFigureOut">
               <a:rPr kumimoji="1" lang="ja-JP" altLang="en-US" smtClean="0"/>
-              <a:t>2013/4/28</a:t>
+              <a:pPr/>
+              <a:t>2013/4/29</a:t>
             </a:fld>
             <a:endParaRPr kumimoji="1" lang="ja-JP" altLang="en-US"/>
           </a:p>
@@ -2507,6 +2526,7 @@
           <a:p>
             <a:fld id="{F168D6A1-1BDA-415D-B4D6-C07DEBE29B51}" type="slidenum">
               <a:rPr kumimoji="1" lang="ja-JP" altLang="en-US" smtClean="0"/>
+              <a:pPr/>
               <a:t>&lt;#&gt;</a:t>
             </a:fld>
             <a:endParaRPr kumimoji="1" lang="ja-JP" altLang="en-US"/>
@@ -2713,7 +2733,8 @@
           <a:p>
             <a:fld id="{54D07814-5129-4E1E-A754-038BD4D488A0}" type="datetimeFigureOut">
               <a:rPr kumimoji="1" lang="ja-JP" altLang="en-US" smtClean="0"/>
-              <a:t>2013/4/28</a:t>
+              <a:pPr/>
+              <a:t>2013/4/29</a:t>
             </a:fld>
             <a:endParaRPr kumimoji="1" lang="ja-JP" altLang="en-US"/>
           </a:p>
@@ -2755,6 +2776,7 @@
           <a:p>
             <a:fld id="{F168D6A1-1BDA-415D-B4D6-C07DEBE29B51}" type="slidenum">
               <a:rPr kumimoji="1" lang="ja-JP" altLang="en-US" smtClean="0"/>
+              <a:pPr/>
               <a:t>&lt;#&gt;</a:t>
             </a:fld>
             <a:endParaRPr kumimoji="1" lang="ja-JP" altLang="en-US"/>
@@ -2953,7 +2975,8 @@
           <a:p>
             <a:fld id="{54D07814-5129-4E1E-A754-038BD4D488A0}" type="datetimeFigureOut">
               <a:rPr kumimoji="1" lang="ja-JP" altLang="en-US" smtClean="0"/>
-              <a:t>2013/4/28</a:t>
+              <a:pPr/>
+              <a:t>2013/4/29</a:t>
             </a:fld>
             <a:endParaRPr kumimoji="1" lang="ja-JP" altLang="en-US"/>
           </a:p>
@@ -3031,6 +3054,7 @@
           <a:p>
             <a:fld id="{F168D6A1-1BDA-415D-B4D6-C07DEBE29B51}" type="slidenum">
               <a:rPr kumimoji="1" lang="ja-JP" altLang="en-US" smtClean="0"/>
+              <a:pPr/>
               <a:t>&lt;#&gt;</a:t>
             </a:fld>
             <a:endParaRPr kumimoji="1" lang="ja-JP" altLang="en-US"/>
@@ -3331,7 +3355,7 @@
         </p:nvSpPr>
         <p:spPr>
           <a:xfrm>
-            <a:off x="251520" y="2708920"/>
+            <a:off x="251520" y="4149080"/>
             <a:ext cx="216024" cy="216024"/>
           </a:xfrm>
           <a:prstGeom prst="roundRect">
@@ -3358,14 +3382,14 @@
           <a:p>
             <a:pPr algn="ctr"/>
             <a:r>
-              <a:rPr kumimoji="1" lang="en-US" altLang="ja-JP" sz="1100" dirty="0" smtClean="0">
-                <a:latin typeface="Consolas" pitchFamily="49" charset="0"/>
+              <a:rPr kumimoji="1" lang="en-US" altLang="ja-JP" sz="1200" smtClean="0">
+                <a:latin typeface="Nyala" pitchFamily="2" charset="0"/>
                 <a:cs typeface="Consolas" pitchFamily="49" charset="0"/>
               </a:rPr>
               <a:t>X</a:t>
             </a:r>
-            <a:endParaRPr kumimoji="1" lang="ja-JP" altLang="en-US" sz="1100" dirty="0">
-              <a:latin typeface="Consolas" pitchFamily="49" charset="0"/>
+            <a:endParaRPr kumimoji="1" lang="ja-JP" altLang="en-US" sz="1200">
+              <a:latin typeface="Nyala" pitchFamily="2" charset="0"/>
               <a:cs typeface="Consolas" pitchFamily="49" charset="0"/>
             </a:endParaRPr>
           </a:p>
@@ -3379,7 +3403,7 @@
         </p:nvSpPr>
         <p:spPr>
           <a:xfrm>
-            <a:off x="539552" y="2708920"/>
+            <a:off x="539552" y="4149080"/>
             <a:ext cx="576064" cy="216024"/>
           </a:xfrm>
           <a:prstGeom prst="roundRect">
@@ -3406,14 +3430,14 @@
           <a:p>
             <a:pPr algn="ctr"/>
             <a:r>
-              <a:rPr lang="en-US" altLang="ja-JP" sz="1100" dirty="0" smtClean="0">
-                <a:latin typeface="Consolas" pitchFamily="49" charset="0"/>
+              <a:rPr lang="en-US" altLang="ja-JP" sz="1200" smtClean="0">
+                <a:latin typeface="Nyala" pitchFamily="2" charset="0"/>
                 <a:cs typeface="Consolas" pitchFamily="49" charset="0"/>
               </a:rPr>
               <a:t>name</a:t>
             </a:r>
-            <a:endParaRPr kumimoji="1" lang="ja-JP" altLang="en-US" sz="1100" dirty="0">
-              <a:latin typeface="Consolas" pitchFamily="49" charset="0"/>
+            <a:endParaRPr kumimoji="1" lang="ja-JP" altLang="en-US" sz="1200">
+              <a:latin typeface="Nyala" pitchFamily="2" charset="0"/>
               <a:cs typeface="Consolas" pitchFamily="49" charset="0"/>
             </a:endParaRPr>
           </a:p>
@@ -3427,8 +3451,8 @@
         </p:nvSpPr>
         <p:spPr>
           <a:xfrm>
-            <a:off x="1187624" y="2708920"/>
-            <a:ext cx="720080" cy="216024"/>
+            <a:off x="1187624" y="4149080"/>
+            <a:ext cx="648072" cy="216024"/>
           </a:xfrm>
           <a:prstGeom prst="roundRect">
             <a:avLst/>
@@ -3454,14 +3478,14 @@
           <a:p>
             <a:pPr algn="ctr"/>
             <a:r>
-              <a:rPr lang="en-US" altLang="ja-JP" sz="1100" dirty="0" smtClean="0">
-                <a:latin typeface="Consolas" pitchFamily="49" charset="0"/>
+              <a:rPr lang="en-US" altLang="ja-JP" sz="1200" smtClean="0">
+                <a:latin typeface="Nyala" pitchFamily="2" charset="0"/>
                 <a:cs typeface="Consolas" pitchFamily="49" charset="0"/>
               </a:rPr>
               <a:t>number</a:t>
             </a:r>
-            <a:endParaRPr kumimoji="1" lang="ja-JP" altLang="en-US" sz="1100" dirty="0">
-              <a:latin typeface="Consolas" pitchFamily="49" charset="0"/>
+            <a:endParaRPr kumimoji="1" lang="ja-JP" altLang="en-US" sz="1200">
+              <a:latin typeface="Nyala" pitchFamily="2" charset="0"/>
               <a:cs typeface="Consolas" pitchFamily="49" charset="0"/>
             </a:endParaRPr>
           </a:p>
@@ -3475,8 +3499,8 @@
         </p:nvSpPr>
         <p:spPr>
           <a:xfrm>
-            <a:off x="2555776" y="2708920"/>
-            <a:ext cx="720080" cy="216024"/>
+            <a:off x="2483768" y="4149080"/>
+            <a:ext cx="576064" cy="216024"/>
           </a:xfrm>
           <a:prstGeom prst="roundRect">
             <a:avLst/>
@@ -3502,14 +3526,14 @@
           <a:p>
             <a:pPr algn="ctr"/>
             <a:r>
-              <a:rPr lang="en-US" altLang="ja-JP" sz="1100" dirty="0" smtClean="0">
-                <a:latin typeface="Consolas" pitchFamily="49" charset="0"/>
+              <a:rPr lang="en-US" altLang="ja-JP" sz="1200" smtClean="0">
+                <a:latin typeface="Nyala" pitchFamily="2" charset="0"/>
                 <a:cs typeface="Consolas" pitchFamily="49" charset="0"/>
               </a:rPr>
               <a:t>length</a:t>
             </a:r>
-            <a:endParaRPr kumimoji="1" lang="ja-JP" altLang="en-US" sz="1100" dirty="0">
-              <a:latin typeface="Consolas" pitchFamily="49" charset="0"/>
+            <a:endParaRPr kumimoji="1" lang="ja-JP" altLang="en-US" sz="1200">
+              <a:latin typeface="Nyala" pitchFamily="2" charset="0"/>
               <a:cs typeface="Consolas" pitchFamily="49" charset="0"/>
             </a:endParaRPr>
           </a:p>
@@ -3523,7 +3547,7 @@
         </p:nvSpPr>
         <p:spPr>
           <a:xfrm>
-            <a:off x="1979712" y="2708920"/>
+            <a:off x="1907704" y="4149080"/>
             <a:ext cx="216024" cy="216024"/>
           </a:xfrm>
           <a:prstGeom prst="roundRect">
@@ -3550,14 +3574,14 @@
           <a:p>
             <a:pPr algn="ctr"/>
             <a:r>
-              <a:rPr lang="en-US" altLang="ja-JP" sz="1100" dirty="0" smtClean="0">
-                <a:latin typeface="Consolas" pitchFamily="49" charset="0"/>
+              <a:rPr lang="en-US" altLang="ja-JP" sz="1200" smtClean="0">
+                <a:latin typeface="Nyala" pitchFamily="2" charset="0"/>
                 <a:cs typeface="Consolas" pitchFamily="49" charset="0"/>
               </a:rPr>
               <a:t>x</a:t>
             </a:r>
-            <a:endParaRPr kumimoji="1" lang="ja-JP" altLang="en-US" sz="1100" dirty="0">
-              <a:latin typeface="Consolas" pitchFamily="49" charset="0"/>
+            <a:endParaRPr kumimoji="1" lang="ja-JP" altLang="en-US" sz="1200">
+              <a:latin typeface="Nyala" pitchFamily="2" charset="0"/>
               <a:cs typeface="Consolas" pitchFamily="49" charset="0"/>
             </a:endParaRPr>
           </a:p>
@@ -3571,7 +3595,7 @@
         </p:nvSpPr>
         <p:spPr>
           <a:xfrm>
-            <a:off x="2267744" y="2708920"/>
+            <a:off x="2195736" y="4149080"/>
             <a:ext cx="216024" cy="216024"/>
           </a:xfrm>
           <a:prstGeom prst="roundRect">
@@ -3598,14 +3622,14 @@
           <a:p>
             <a:pPr algn="ctr"/>
             <a:r>
-              <a:rPr kumimoji="1" lang="en-US" altLang="ja-JP" sz="1100" dirty="0" smtClean="0">
-                <a:latin typeface="Consolas" pitchFamily="49" charset="0"/>
+              <a:rPr kumimoji="1" lang="en-US" altLang="ja-JP" sz="1200" smtClean="0">
+                <a:latin typeface="Nyala" pitchFamily="2" charset="0"/>
                 <a:cs typeface="Consolas" pitchFamily="49" charset="0"/>
               </a:rPr>
               <a:t>y</a:t>
             </a:r>
-            <a:endParaRPr kumimoji="1" lang="ja-JP" altLang="en-US" sz="1100" dirty="0">
-              <a:latin typeface="Consolas" pitchFamily="49" charset="0"/>
+            <a:endParaRPr kumimoji="1" lang="ja-JP" altLang="en-US" sz="1200">
+              <a:latin typeface="Nyala" pitchFamily="2" charset="0"/>
               <a:cs typeface="Consolas" pitchFamily="49" charset="0"/>
             </a:endParaRPr>
           </a:p>
@@ -3619,7 +3643,7 @@
         </p:nvSpPr>
         <p:spPr>
           <a:xfrm>
-            <a:off x="3347864" y="2708920"/>
+            <a:off x="3131840" y="4149080"/>
             <a:ext cx="1080120" cy="216024"/>
           </a:xfrm>
           <a:prstGeom prst="roundRect">
@@ -3628,13 +3652,13 @@
         </p:spPr>
         <p:style>
           <a:lnRef idx="1">
-            <a:schemeClr val="accent4"/>
+            <a:schemeClr val="accent2"/>
           </a:lnRef>
           <a:fillRef idx="3">
-            <a:schemeClr val="accent4"/>
+            <a:schemeClr val="accent2"/>
           </a:fillRef>
           <a:effectRef idx="2">
-            <a:schemeClr val="accent4"/>
+            <a:schemeClr val="accent2"/>
           </a:effectRef>
           <a:fontRef idx="minor">
             <a:schemeClr val="lt1"/>
@@ -3646,14 +3670,14 @@
           <a:p>
             <a:pPr algn="ctr"/>
             <a:r>
-              <a:rPr lang="en-US" altLang="ja-JP" sz="1100" dirty="0" smtClean="0">
-                <a:latin typeface="Consolas" pitchFamily="49" charset="0"/>
+              <a:rPr lang="en-US" altLang="ja-JP" sz="1200" smtClean="0">
+                <a:latin typeface="Nyala" pitchFamily="2" charset="0"/>
                 <a:cs typeface="Consolas" pitchFamily="49" charset="0"/>
               </a:rPr>
-              <a:t>orientation</a:t>
-            </a:r>
-            <a:endParaRPr kumimoji="1" lang="ja-JP" altLang="en-US" sz="1100" dirty="0">
-              <a:latin typeface="Consolas" pitchFamily="49" charset="0"/>
+              <a:t>pin_orientation</a:t>
+            </a:r>
+            <a:endParaRPr kumimoji="1" lang="ja-JP" altLang="en-US" sz="1200">
+              <a:latin typeface="Nyala" pitchFamily="2" charset="0"/>
               <a:cs typeface="Consolas" pitchFamily="49" charset="0"/>
             </a:endParaRPr>
           </a:p>
@@ -3667,8 +3691,8 @@
         </p:nvSpPr>
         <p:spPr>
           <a:xfrm>
-            <a:off x="4499992" y="2708920"/>
-            <a:ext cx="576064" cy="216024"/>
+            <a:off x="4283968" y="4149080"/>
+            <a:ext cx="936104" cy="216024"/>
           </a:xfrm>
           <a:prstGeom prst="roundRect">
             <a:avLst/>
@@ -3694,14 +3718,14 @@
           <a:p>
             <a:pPr algn="ctr"/>
             <a:r>
-              <a:rPr lang="en-US" altLang="ja-JP" sz="1100" dirty="0" err="1" smtClean="0">
-                <a:latin typeface="Consolas" pitchFamily="49" charset="0"/>
+              <a:rPr lang="en-US" altLang="ja-JP" sz="1200" smtClean="0">
+                <a:latin typeface="Nyala" pitchFamily="2" charset="0"/>
                 <a:cs typeface="Consolas" pitchFamily="49" charset="0"/>
               </a:rPr>
-              <a:t>Snum</a:t>
-            </a:r>
-            <a:endParaRPr kumimoji="1" lang="ja-JP" altLang="en-US" sz="1100" dirty="0">
-              <a:latin typeface="Consolas" pitchFamily="49" charset="0"/>
+              <a:t>number_size</a:t>
+            </a:r>
+            <a:endParaRPr kumimoji="1" lang="ja-JP" altLang="en-US" sz="1200">
+              <a:latin typeface="Nyala" pitchFamily="2" charset="0"/>
               <a:cs typeface="Consolas" pitchFamily="49" charset="0"/>
             </a:endParaRPr>
           </a:p>
@@ -3715,8 +3739,8 @@
         </p:nvSpPr>
         <p:spPr>
           <a:xfrm>
-            <a:off x="5148064" y="2708920"/>
-            <a:ext cx="576064" cy="216024"/>
+            <a:off x="5292080" y="4149080"/>
+            <a:ext cx="792088" cy="216024"/>
           </a:xfrm>
           <a:prstGeom prst="roundRect">
             <a:avLst/>
@@ -3742,14 +3766,14 @@
           <a:p>
             <a:pPr algn="ctr"/>
             <a:r>
-              <a:rPr lang="en-US" altLang="ja-JP" sz="1100" dirty="0" err="1" smtClean="0">
-                <a:latin typeface="Consolas" pitchFamily="49" charset="0"/>
+              <a:rPr lang="en-US" altLang="ja-JP" sz="1200" smtClean="0">
+                <a:latin typeface="Nyala" pitchFamily="2" charset="0"/>
                 <a:cs typeface="Consolas" pitchFamily="49" charset="0"/>
               </a:rPr>
-              <a:t>Snom</a:t>
-            </a:r>
-            <a:endParaRPr kumimoji="1" lang="ja-JP" altLang="en-US" sz="1100" dirty="0">
-              <a:latin typeface="Consolas" pitchFamily="49" charset="0"/>
+              <a:t>name_size</a:t>
+            </a:r>
+            <a:endParaRPr kumimoji="1" lang="ja-JP" altLang="en-US" sz="1200">
+              <a:latin typeface="Nyala" pitchFamily="2" charset="0"/>
               <a:cs typeface="Consolas" pitchFamily="49" charset="0"/>
             </a:endParaRPr>
           </a:p>
@@ -3757,13 +3781,13 @@
       </p:sp>
       <p:sp>
         <p:nvSpPr>
-          <p:cNvPr id="14" name="角丸四角形 13"/>
+          <p:cNvPr id="16" name="角丸四角形 15"/>
           <p:cNvSpPr/>
           <p:nvPr/>
         </p:nvSpPr>
         <p:spPr>
           <a:xfrm>
-            <a:off x="5796136" y="2708920"/>
+            <a:off x="7380312" y="4149080"/>
             <a:ext cx="576064" cy="216024"/>
           </a:xfrm>
           <a:prstGeom prst="roundRect">
@@ -3790,110 +3814,14 @@
           <a:p>
             <a:pPr algn="ctr"/>
             <a:r>
-              <a:rPr lang="en-US" altLang="ja-JP" sz="1100" dirty="0" smtClean="0">
-                <a:latin typeface="Consolas" pitchFamily="49" charset="0"/>
-                <a:cs typeface="Consolas" pitchFamily="49" charset="0"/>
-              </a:rPr>
-              <a:t>unit</a:t>
-            </a:r>
-            <a:endParaRPr kumimoji="1" lang="ja-JP" altLang="en-US" sz="1100" dirty="0">
-              <a:latin typeface="Consolas" pitchFamily="49" charset="0"/>
-              <a:cs typeface="Consolas" pitchFamily="49" charset="0"/>
-            </a:endParaRPr>
-          </a:p>
-        </p:txBody>
-      </p:sp>
-      <p:sp>
-        <p:nvSpPr>
-          <p:cNvPr id="15" name="角丸四角形 14"/>
-          <p:cNvSpPr/>
-          <p:nvPr/>
-        </p:nvSpPr>
-        <p:spPr>
-          <a:xfrm>
-            <a:off x="6444208" y="2708920"/>
-            <a:ext cx="792088" cy="216024"/>
-          </a:xfrm>
-          <a:prstGeom prst="roundRect">
-            <a:avLst/>
-          </a:prstGeom>
-        </p:spPr>
-        <p:style>
-          <a:lnRef idx="1">
-            <a:schemeClr val="accent4"/>
-          </a:lnRef>
-          <a:fillRef idx="3">
-            <a:schemeClr val="accent4"/>
-          </a:fillRef>
-          <a:effectRef idx="2">
-            <a:schemeClr val="accent4"/>
-          </a:effectRef>
-          <a:fontRef idx="minor">
-            <a:schemeClr val="lt1"/>
-          </a:fontRef>
-        </p:style>
-        <p:txBody>
-          <a:bodyPr rtlCol="0" anchor="ctr"/>
-          <a:lstStyle/>
-          <a:p>
-            <a:pPr algn="ctr"/>
-            <a:r>
-              <a:rPr lang="en-US" altLang="ja-JP" sz="1100" dirty="0" smtClean="0">
-                <a:latin typeface="Consolas" pitchFamily="49" charset="0"/>
-                <a:cs typeface="Consolas" pitchFamily="49" charset="0"/>
-              </a:rPr>
-              <a:t>convert</a:t>
-            </a:r>
-            <a:endParaRPr kumimoji="1" lang="ja-JP" altLang="en-US" sz="1100" dirty="0">
-              <a:latin typeface="Consolas" pitchFamily="49" charset="0"/>
-              <a:cs typeface="Consolas" pitchFamily="49" charset="0"/>
-            </a:endParaRPr>
-          </a:p>
-        </p:txBody>
-      </p:sp>
-      <p:sp>
-        <p:nvSpPr>
-          <p:cNvPr id="16" name="角丸四角形 15"/>
-          <p:cNvSpPr/>
-          <p:nvPr/>
-        </p:nvSpPr>
-        <p:spPr>
-          <a:xfrm>
-            <a:off x="7308304" y="2708920"/>
-            <a:ext cx="648072" cy="216024"/>
-          </a:xfrm>
-          <a:prstGeom prst="roundRect">
-            <a:avLst/>
-          </a:prstGeom>
-        </p:spPr>
-        <p:style>
-          <a:lnRef idx="1">
-            <a:schemeClr val="accent4"/>
-          </a:lnRef>
-          <a:fillRef idx="3">
-            <a:schemeClr val="accent4"/>
-          </a:fillRef>
-          <a:effectRef idx="2">
-            <a:schemeClr val="accent4"/>
-          </a:effectRef>
-          <a:fontRef idx="minor">
-            <a:schemeClr val="lt1"/>
-          </a:fontRef>
-        </p:style>
-        <p:txBody>
-          <a:bodyPr rtlCol="0" anchor="ctr"/>
-          <a:lstStyle/>
-          <a:p>
-            <a:pPr algn="ctr"/>
-            <a:r>
-              <a:rPr lang="en-US" altLang="ja-JP" sz="1100" dirty="0" err="1" smtClean="0">
-                <a:latin typeface="Consolas" pitchFamily="49" charset="0"/>
+              <a:rPr lang="en-US" altLang="ja-JP" sz="1200" smtClean="0">
+                <a:latin typeface="Nyala" pitchFamily="2" charset="0"/>
                 <a:cs typeface="Consolas" pitchFamily="49" charset="0"/>
               </a:rPr>
               <a:t>Etype</a:t>
             </a:r>
-            <a:endParaRPr kumimoji="1" lang="ja-JP" altLang="en-US" sz="1100" dirty="0">
-              <a:latin typeface="Consolas" pitchFamily="49" charset="0"/>
+            <a:endParaRPr kumimoji="1" lang="ja-JP" altLang="en-US" sz="1200">
+              <a:latin typeface="Nyala" pitchFamily="2" charset="0"/>
               <a:cs typeface="Consolas" pitchFamily="49" charset="0"/>
             </a:endParaRPr>
           </a:p>
@@ -3907,8 +3835,8 @@
         </p:nvSpPr>
         <p:spPr>
           <a:xfrm>
-            <a:off x="8028384" y="2708920"/>
-            <a:ext cx="648072" cy="216024"/>
+            <a:off x="8028384" y="4149080"/>
+            <a:ext cx="576064" cy="216024"/>
           </a:xfrm>
           <a:prstGeom prst="roundRect">
             <a:avLst/>
@@ -3934,14 +3862,14 @@
           <a:p>
             <a:pPr algn="ctr"/>
             <a:r>
-              <a:rPr lang="en-US" altLang="ja-JP" sz="1100" dirty="0" smtClean="0">
-                <a:latin typeface="Consolas" pitchFamily="49" charset="0"/>
+              <a:rPr lang="en-US" altLang="ja-JP" sz="1200" smtClean="0">
+                <a:latin typeface="Nyala" pitchFamily="2" charset="0"/>
                 <a:cs typeface="Consolas" pitchFamily="49" charset="0"/>
               </a:rPr>
               <a:t>shape</a:t>
             </a:r>
-            <a:endParaRPr kumimoji="1" lang="ja-JP" altLang="en-US" sz="1100" dirty="0">
-              <a:latin typeface="Consolas" pitchFamily="49" charset="0"/>
+            <a:endParaRPr kumimoji="1" lang="ja-JP" altLang="en-US" sz="1200">
+              <a:latin typeface="Nyala" pitchFamily="2" charset="0"/>
               <a:cs typeface="Consolas" pitchFamily="49" charset="0"/>
             </a:endParaRPr>
           </a:p>
@@ -3955,7 +3883,7 @@
         </p:nvSpPr>
         <p:spPr>
           <a:xfrm>
-            <a:off x="251520" y="2276872"/>
+            <a:off x="251520" y="3789040"/>
             <a:ext cx="478016" cy="369332"/>
           </a:xfrm>
           <a:prstGeom prst="rect">
@@ -3970,10 +3898,10 @@
           <a:lstStyle/>
           <a:p>
             <a:r>
-              <a:rPr kumimoji="1" lang="en-US" altLang="ja-JP" dirty="0" smtClean="0"/>
+              <a:rPr kumimoji="1" lang="en-US" altLang="ja-JP" smtClean="0"/>
               <a:t>Pin</a:t>
             </a:r>
-            <a:endParaRPr kumimoji="1" lang="ja-JP" altLang="en-US" dirty="0"/>
+            <a:endParaRPr kumimoji="1" lang="ja-JP" altLang="en-US"/>
           </a:p>
         </p:txBody>
       </p:sp>
@@ -3985,7 +3913,7 @@
         </p:nvSpPr>
         <p:spPr>
           <a:xfrm>
-            <a:off x="107504" y="1556792"/>
+            <a:off x="251520" y="3068960"/>
             <a:ext cx="565348" cy="369332"/>
           </a:xfrm>
           <a:prstGeom prst="rect">
@@ -4000,10 +3928,10 @@
           <a:lstStyle/>
           <a:p>
             <a:r>
-              <a:rPr kumimoji="1" lang="en-US" altLang="ja-JP" dirty="0" smtClean="0"/>
+              <a:rPr kumimoji="1" lang="en-US" altLang="ja-JP" smtClean="0"/>
               <a:t>Text</a:t>
             </a:r>
-            <a:endParaRPr kumimoji="1" lang="ja-JP" altLang="en-US" dirty="0"/>
+            <a:endParaRPr kumimoji="1" lang="ja-JP" altLang="en-US"/>
           </a:p>
         </p:txBody>
       </p:sp>
@@ -4015,7 +3943,7 @@
         </p:nvSpPr>
         <p:spPr>
           <a:xfrm>
-            <a:off x="251520" y="1988840"/>
+            <a:off x="251520" y="3429000"/>
             <a:ext cx="216024" cy="216024"/>
           </a:xfrm>
           <a:prstGeom prst="roundRect">
@@ -4042,14 +3970,14 @@
           <a:p>
             <a:pPr algn="ctr"/>
             <a:r>
-              <a:rPr lang="en-US" altLang="ja-JP" sz="1100" dirty="0">
-                <a:latin typeface="Consolas" pitchFamily="49" charset="0"/>
+              <a:rPr lang="en-US" altLang="ja-JP" sz="1200">
+                <a:latin typeface="Nyala" pitchFamily="2" charset="0"/>
                 <a:cs typeface="Consolas" pitchFamily="49" charset="0"/>
               </a:rPr>
               <a:t>T</a:t>
             </a:r>
-            <a:endParaRPr kumimoji="1" lang="ja-JP" altLang="en-US" sz="1100" dirty="0">
-              <a:latin typeface="Consolas" pitchFamily="49" charset="0"/>
+            <a:endParaRPr kumimoji="1" lang="ja-JP" altLang="en-US" sz="1200">
+              <a:latin typeface="Nyala" pitchFamily="2" charset="0"/>
               <a:cs typeface="Consolas" pitchFamily="49" charset="0"/>
             </a:endParaRPr>
           </a:p>
@@ -4063,7 +3991,7 @@
         </p:nvSpPr>
         <p:spPr>
           <a:xfrm>
-            <a:off x="1691680" y="1988840"/>
+            <a:off x="1691680" y="3429000"/>
             <a:ext cx="216024" cy="216024"/>
           </a:xfrm>
           <a:prstGeom prst="roundRect">
@@ -4090,14 +4018,14 @@
           <a:p>
             <a:pPr algn="ctr"/>
             <a:r>
-              <a:rPr lang="en-US" altLang="ja-JP" sz="1100" dirty="0" smtClean="0">
-                <a:latin typeface="Consolas" pitchFamily="49" charset="0"/>
+              <a:rPr lang="en-US" altLang="ja-JP" sz="1200" smtClean="0">
+                <a:latin typeface="Nyala" pitchFamily="2" charset="0"/>
                 <a:cs typeface="Consolas" pitchFamily="49" charset="0"/>
               </a:rPr>
               <a:t>x</a:t>
             </a:r>
-            <a:endParaRPr kumimoji="1" lang="ja-JP" altLang="en-US" sz="1100" dirty="0">
-              <a:latin typeface="Consolas" pitchFamily="49" charset="0"/>
+            <a:endParaRPr kumimoji="1" lang="ja-JP" altLang="en-US" sz="1200">
+              <a:latin typeface="Nyala" pitchFamily="2" charset="0"/>
               <a:cs typeface="Consolas" pitchFamily="49" charset="0"/>
             </a:endParaRPr>
           </a:p>
@@ -4111,7 +4039,7 @@
         </p:nvSpPr>
         <p:spPr>
           <a:xfrm>
-            <a:off x="1979712" y="1988840"/>
+            <a:off x="1979712" y="3429000"/>
             <a:ext cx="216024" cy="216024"/>
           </a:xfrm>
           <a:prstGeom prst="roundRect">
@@ -4138,14 +4066,14 @@
           <a:p>
             <a:pPr algn="ctr"/>
             <a:r>
-              <a:rPr kumimoji="1" lang="en-US" altLang="ja-JP" sz="1100" dirty="0" smtClean="0">
-                <a:latin typeface="Consolas" pitchFamily="49" charset="0"/>
+              <a:rPr kumimoji="1" lang="en-US" altLang="ja-JP" sz="1200" smtClean="0">
+                <a:latin typeface="Nyala" pitchFamily="2" charset="0"/>
                 <a:cs typeface="Consolas" pitchFamily="49" charset="0"/>
               </a:rPr>
               <a:t>y</a:t>
             </a:r>
-            <a:endParaRPr kumimoji="1" lang="ja-JP" altLang="en-US" sz="1100" dirty="0">
-              <a:latin typeface="Consolas" pitchFamily="49" charset="0"/>
+            <a:endParaRPr kumimoji="1" lang="ja-JP" altLang="en-US" sz="1200">
+              <a:latin typeface="Nyala" pitchFamily="2" charset="0"/>
               <a:cs typeface="Consolas" pitchFamily="49" charset="0"/>
             </a:endParaRPr>
           </a:p>
@@ -4159,7 +4087,7 @@
         </p:nvSpPr>
         <p:spPr>
           <a:xfrm>
-            <a:off x="539552" y="1988840"/>
+            <a:off x="539552" y="3429000"/>
             <a:ext cx="1080120" cy="216024"/>
           </a:xfrm>
           <a:prstGeom prst="roundRect">
@@ -4168,13 +4096,13 @@
         </p:spPr>
         <p:style>
           <a:lnRef idx="1">
-            <a:schemeClr val="accent4"/>
+            <a:schemeClr val="accent2"/>
           </a:lnRef>
           <a:fillRef idx="3">
-            <a:schemeClr val="accent4"/>
+            <a:schemeClr val="accent2"/>
           </a:fillRef>
           <a:effectRef idx="2">
-            <a:schemeClr val="accent4"/>
+            <a:schemeClr val="accent2"/>
           </a:effectRef>
           <a:fontRef idx="minor">
             <a:schemeClr val="lt1"/>
@@ -4186,14 +4114,14 @@
           <a:p>
             <a:pPr algn="ctr"/>
             <a:r>
-              <a:rPr lang="en-US" altLang="ja-JP" sz="1100" dirty="0" smtClean="0">
-                <a:latin typeface="Consolas" pitchFamily="49" charset="0"/>
+              <a:rPr lang="en-US" altLang="ja-JP" sz="1200" smtClean="0">
+                <a:latin typeface="Nyala" pitchFamily="2" charset="0"/>
                 <a:cs typeface="Consolas" pitchFamily="49" charset="0"/>
               </a:rPr>
-              <a:t>orientation</a:t>
-            </a:r>
-            <a:endParaRPr kumimoji="1" lang="ja-JP" altLang="en-US" sz="1100" dirty="0">
-              <a:latin typeface="Consolas" pitchFamily="49" charset="0"/>
+              <a:t>text_orientation</a:t>
+            </a:r>
+            <a:endParaRPr lang="ja-JP" altLang="en-US" sz="1200">
+              <a:latin typeface="Nyala" pitchFamily="2" charset="0"/>
               <a:cs typeface="Consolas" pitchFamily="49" charset="0"/>
             </a:endParaRPr>
           </a:p>
@@ -4207,8 +4135,8 @@
         </p:nvSpPr>
         <p:spPr>
           <a:xfrm>
-            <a:off x="2267744" y="1988840"/>
-            <a:ext cx="936104" cy="216024"/>
+            <a:off x="2267744" y="3429000"/>
+            <a:ext cx="720080" cy="216024"/>
           </a:xfrm>
           <a:prstGeom prst="roundRect">
             <a:avLst/>
@@ -4234,14 +4162,14 @@
           <a:p>
             <a:pPr algn="ctr"/>
             <a:r>
-              <a:rPr lang="en-US" altLang="ja-JP" sz="1100" dirty="0" smtClean="0">
-                <a:latin typeface="Consolas" pitchFamily="49" charset="0"/>
+              <a:rPr lang="en-US" altLang="ja-JP" sz="1200" smtClean="0">
+                <a:latin typeface="Nyala" pitchFamily="2" charset="0"/>
                 <a:cs typeface="Consolas" pitchFamily="49" charset="0"/>
               </a:rPr>
-              <a:t>dimension</a:t>
-            </a:r>
-            <a:endParaRPr kumimoji="1" lang="ja-JP" altLang="en-US" sz="1100" dirty="0">
-              <a:latin typeface="Consolas" pitchFamily="49" charset="0"/>
+              <a:t>text_size</a:t>
+            </a:r>
+            <a:endParaRPr kumimoji="1" lang="ja-JP" altLang="en-US" sz="1200">
+              <a:latin typeface="Nyala" pitchFamily="2" charset="0"/>
               <a:cs typeface="Consolas" pitchFamily="49" charset="0"/>
             </a:endParaRPr>
           </a:p>
@@ -4249,14 +4177,14 @@
       </p:sp>
       <p:sp>
         <p:nvSpPr>
-          <p:cNvPr id="29" name="角丸四角形 28"/>
+          <p:cNvPr id="31" name="角丸四角形 30"/>
           <p:cNvSpPr/>
           <p:nvPr/>
         </p:nvSpPr>
         <p:spPr>
           <a:xfrm>
-            <a:off x="3275856" y="1988840"/>
-            <a:ext cx="576064" cy="216024"/>
+            <a:off x="5076056" y="3429000"/>
+            <a:ext cx="432048" cy="216024"/>
           </a:xfrm>
           <a:prstGeom prst="roundRect">
             <a:avLst/>
@@ -4282,14 +4210,14 @@
           <a:p>
             <a:pPr algn="ctr"/>
             <a:r>
-              <a:rPr lang="en-US" altLang="ja-JP" sz="1100" dirty="0" smtClean="0">
-                <a:latin typeface="Consolas" pitchFamily="49" charset="0"/>
+              <a:rPr lang="en-US" altLang="ja-JP" sz="1200" smtClean="0">
+                <a:latin typeface="Nyala" pitchFamily="2" charset="0"/>
                 <a:cs typeface="Consolas" pitchFamily="49" charset="0"/>
               </a:rPr>
-              <a:t>unit</a:t>
-            </a:r>
-            <a:endParaRPr kumimoji="1" lang="ja-JP" altLang="en-US" sz="1100" dirty="0">
-              <a:latin typeface="Consolas" pitchFamily="49" charset="0"/>
+              <a:t>text</a:t>
+            </a:r>
+            <a:endParaRPr kumimoji="1" lang="ja-JP" altLang="en-US" sz="1200">
+              <a:latin typeface="Nyala" pitchFamily="2" charset="0"/>
               <a:cs typeface="Consolas" pitchFamily="49" charset="0"/>
             </a:endParaRPr>
           </a:p>
@@ -4297,109 +4225,13 @@
       </p:sp>
       <p:sp>
         <p:nvSpPr>
-          <p:cNvPr id="30" name="角丸四角形 29"/>
-          <p:cNvSpPr/>
-          <p:nvPr/>
-        </p:nvSpPr>
-        <p:spPr>
-          <a:xfrm>
-            <a:off x="3923928" y="1988840"/>
-            <a:ext cx="792088" cy="216024"/>
-          </a:xfrm>
-          <a:prstGeom prst="roundRect">
-            <a:avLst/>
-          </a:prstGeom>
-        </p:spPr>
-        <p:style>
-          <a:lnRef idx="1">
-            <a:schemeClr val="accent4"/>
-          </a:lnRef>
-          <a:fillRef idx="3">
-            <a:schemeClr val="accent4"/>
-          </a:fillRef>
-          <a:effectRef idx="2">
-            <a:schemeClr val="accent4"/>
-          </a:effectRef>
-          <a:fontRef idx="minor">
-            <a:schemeClr val="lt1"/>
-          </a:fontRef>
-        </p:style>
-        <p:txBody>
-          <a:bodyPr rtlCol="0" anchor="ctr"/>
-          <a:lstStyle/>
-          <a:p>
-            <a:pPr algn="ctr"/>
-            <a:r>
-              <a:rPr lang="en-US" altLang="ja-JP" sz="1100" dirty="0" smtClean="0">
-                <a:latin typeface="Consolas" pitchFamily="49" charset="0"/>
-                <a:cs typeface="Consolas" pitchFamily="49" charset="0"/>
-              </a:rPr>
-              <a:t>convert</a:t>
-            </a:r>
-            <a:endParaRPr kumimoji="1" lang="ja-JP" altLang="en-US" sz="1100" dirty="0">
-              <a:latin typeface="Consolas" pitchFamily="49" charset="0"/>
-              <a:cs typeface="Consolas" pitchFamily="49" charset="0"/>
-            </a:endParaRPr>
-          </a:p>
-        </p:txBody>
-      </p:sp>
-      <p:sp>
-        <p:nvSpPr>
-          <p:cNvPr id="31" name="角丸四角形 30"/>
-          <p:cNvSpPr/>
-          <p:nvPr/>
-        </p:nvSpPr>
-        <p:spPr>
-          <a:xfrm>
-            <a:off x="4788024" y="1988840"/>
-            <a:ext cx="648072" cy="216024"/>
-          </a:xfrm>
-          <a:prstGeom prst="roundRect">
-            <a:avLst/>
-          </a:prstGeom>
-        </p:spPr>
-        <p:style>
-          <a:lnRef idx="1">
-            <a:schemeClr val="accent4"/>
-          </a:lnRef>
-          <a:fillRef idx="3">
-            <a:schemeClr val="accent4"/>
-          </a:fillRef>
-          <a:effectRef idx="2">
-            <a:schemeClr val="accent4"/>
-          </a:effectRef>
-          <a:fontRef idx="minor">
-            <a:schemeClr val="lt1"/>
-          </a:fontRef>
-        </p:style>
-        <p:txBody>
-          <a:bodyPr rtlCol="0" anchor="ctr"/>
-          <a:lstStyle/>
-          <a:p>
-            <a:pPr algn="ctr"/>
-            <a:r>
-              <a:rPr lang="en-US" altLang="ja-JP" sz="1100" dirty="0" smtClean="0">
-                <a:latin typeface="Consolas" pitchFamily="49" charset="0"/>
-                <a:cs typeface="Consolas" pitchFamily="49" charset="0"/>
-              </a:rPr>
-              <a:t>Text</a:t>
-            </a:r>
-            <a:endParaRPr kumimoji="1" lang="ja-JP" altLang="en-US" sz="1100" dirty="0">
-              <a:latin typeface="Consolas" pitchFamily="49" charset="0"/>
-              <a:cs typeface="Consolas" pitchFamily="49" charset="0"/>
-            </a:endParaRPr>
-          </a:p>
-        </p:txBody>
-      </p:sp>
-      <p:sp>
-        <p:nvSpPr>
           <p:cNvPr id="33" name="テキスト ボックス 32"/>
           <p:cNvSpPr txBox="1"/>
           <p:nvPr/>
         </p:nvSpPr>
         <p:spPr>
           <a:xfrm>
-            <a:off x="395536" y="548680"/>
+            <a:off x="251520" y="1628800"/>
             <a:ext cx="703847" cy="369332"/>
           </a:xfrm>
           <a:prstGeom prst="rect">
@@ -4414,10 +4246,10 @@
           <a:lstStyle/>
           <a:p>
             <a:r>
-              <a:rPr kumimoji="1" lang="en-US" altLang="ja-JP" dirty="0" smtClean="0"/>
+              <a:rPr kumimoji="1" lang="en-US" altLang="ja-JP" smtClean="0"/>
               <a:t>Circle</a:t>
             </a:r>
-            <a:endParaRPr kumimoji="1" lang="ja-JP" altLang="en-US" dirty="0"/>
+            <a:endParaRPr kumimoji="1" lang="ja-JP" altLang="en-US"/>
           </a:p>
         </p:txBody>
       </p:sp>
@@ -4429,7 +4261,7 @@
         </p:nvSpPr>
         <p:spPr>
           <a:xfrm>
-            <a:off x="251520" y="1268760"/>
+            <a:off x="251520" y="1988840"/>
             <a:ext cx="216024" cy="216024"/>
           </a:xfrm>
           <a:prstGeom prst="roundRect">
@@ -4456,14 +4288,14 @@
           <a:p>
             <a:pPr algn="ctr"/>
             <a:r>
-              <a:rPr lang="en-US" altLang="ja-JP" sz="1100" dirty="0" smtClean="0">
-                <a:latin typeface="Consolas" pitchFamily="49" charset="0"/>
+              <a:rPr lang="en-US" altLang="ja-JP" sz="1200" smtClean="0">
+                <a:latin typeface="Nyala" pitchFamily="2" charset="0"/>
                 <a:cs typeface="Consolas" pitchFamily="49" charset="0"/>
               </a:rPr>
               <a:t>C</a:t>
             </a:r>
-            <a:endParaRPr kumimoji="1" lang="ja-JP" altLang="en-US" sz="1100" dirty="0">
-              <a:latin typeface="Consolas" pitchFamily="49" charset="0"/>
+            <a:endParaRPr kumimoji="1" lang="ja-JP" altLang="en-US" sz="1200">
+              <a:latin typeface="Nyala" pitchFamily="2" charset="0"/>
               <a:cs typeface="Consolas" pitchFamily="49" charset="0"/>
             </a:endParaRPr>
           </a:p>
@@ -4477,7 +4309,7 @@
         </p:nvSpPr>
         <p:spPr>
           <a:xfrm>
-            <a:off x="539552" y="1268760"/>
+            <a:off x="539552" y="1988840"/>
             <a:ext cx="216024" cy="216024"/>
           </a:xfrm>
           <a:prstGeom prst="roundRect">
@@ -4504,14 +4336,14 @@
           <a:p>
             <a:pPr algn="ctr"/>
             <a:r>
-              <a:rPr lang="en-US" altLang="ja-JP" sz="1100" dirty="0" smtClean="0">
-                <a:latin typeface="Consolas" pitchFamily="49" charset="0"/>
+              <a:rPr lang="en-US" altLang="ja-JP" sz="1200" smtClean="0">
+                <a:latin typeface="Nyala" pitchFamily="2" charset="0"/>
                 <a:cs typeface="Consolas" pitchFamily="49" charset="0"/>
               </a:rPr>
               <a:t>x</a:t>
             </a:r>
-            <a:endParaRPr kumimoji="1" lang="ja-JP" altLang="en-US" sz="1100" dirty="0">
-              <a:latin typeface="Consolas" pitchFamily="49" charset="0"/>
+            <a:endParaRPr kumimoji="1" lang="ja-JP" altLang="en-US" sz="1200">
+              <a:latin typeface="Nyala" pitchFamily="2" charset="0"/>
               <a:cs typeface="Consolas" pitchFamily="49" charset="0"/>
             </a:endParaRPr>
           </a:p>
@@ -4525,7 +4357,7 @@
         </p:nvSpPr>
         <p:spPr>
           <a:xfrm>
-            <a:off x="827584" y="1268760"/>
+            <a:off x="827584" y="1988840"/>
             <a:ext cx="216024" cy="216024"/>
           </a:xfrm>
           <a:prstGeom prst="roundRect">
@@ -4552,14 +4384,14 @@
           <a:p>
             <a:pPr algn="ctr"/>
             <a:r>
-              <a:rPr kumimoji="1" lang="en-US" altLang="ja-JP" sz="1100" dirty="0" smtClean="0">
-                <a:latin typeface="Consolas" pitchFamily="49" charset="0"/>
+              <a:rPr kumimoji="1" lang="en-US" altLang="ja-JP" sz="1200" smtClean="0">
+                <a:latin typeface="Nyala" pitchFamily="2" charset="0"/>
                 <a:cs typeface="Consolas" pitchFamily="49" charset="0"/>
               </a:rPr>
               <a:t>y</a:t>
             </a:r>
-            <a:endParaRPr kumimoji="1" lang="ja-JP" altLang="en-US" sz="1100" dirty="0">
-              <a:latin typeface="Consolas" pitchFamily="49" charset="0"/>
+            <a:endParaRPr kumimoji="1" lang="ja-JP" altLang="en-US" sz="1200">
+              <a:latin typeface="Nyala" pitchFamily="2" charset="0"/>
               <a:cs typeface="Consolas" pitchFamily="49" charset="0"/>
             </a:endParaRPr>
           </a:p>
@@ -4573,8 +4405,8 @@
         </p:nvSpPr>
         <p:spPr>
           <a:xfrm>
-            <a:off x="1115616" y="1268760"/>
-            <a:ext cx="720080" cy="216024"/>
+            <a:off x="1115616" y="1988840"/>
+            <a:ext cx="216024" cy="216024"/>
           </a:xfrm>
           <a:prstGeom prst="roundRect">
             <a:avLst/>
@@ -4600,14 +4432,14 @@
           <a:p>
             <a:pPr algn="ctr"/>
             <a:r>
-              <a:rPr lang="en-US" altLang="ja-JP" sz="1100" dirty="0" smtClean="0">
-                <a:latin typeface="Consolas" pitchFamily="49" charset="0"/>
+              <a:rPr lang="en-US" altLang="ja-JP" sz="1200" smtClean="0">
+                <a:latin typeface="Nyala" pitchFamily="2" charset="0"/>
                 <a:cs typeface="Consolas" pitchFamily="49" charset="0"/>
               </a:rPr>
-              <a:t>radius</a:t>
-            </a:r>
-            <a:endParaRPr kumimoji="1" lang="ja-JP" altLang="en-US" sz="1100" dirty="0">
-              <a:latin typeface="Consolas" pitchFamily="49" charset="0"/>
+              <a:t>r</a:t>
+            </a:r>
+            <a:endParaRPr kumimoji="1" lang="ja-JP" altLang="en-US" sz="1200">
+              <a:latin typeface="Nyala" pitchFamily="2" charset="0"/>
               <a:cs typeface="Consolas" pitchFamily="49" charset="0"/>
             </a:endParaRPr>
           </a:p>
@@ -4615,14 +4447,44 @@
       </p:sp>
       <p:sp>
         <p:nvSpPr>
-          <p:cNvPr id="38" name="角丸四角形 37"/>
+          <p:cNvPr id="42" name="テキスト ボックス 41"/>
+          <p:cNvSpPr txBox="1"/>
+          <p:nvPr/>
+        </p:nvSpPr>
+        <p:spPr>
+          <a:xfrm>
+            <a:off x="251520" y="188640"/>
+            <a:ext cx="920637" cy="369332"/>
+          </a:xfrm>
+          <a:prstGeom prst="rect">
+            <a:avLst/>
+          </a:prstGeom>
+          <a:noFill/>
+        </p:spPr>
+        <p:txBody>
+          <a:bodyPr wrap="none" rtlCol="0">
+            <a:spAutoFit/>
+          </a:bodyPr>
+          <a:lstStyle/>
+          <a:p>
+            <a:r>
+              <a:rPr kumimoji="1" lang="en-US" altLang="ja-JP" smtClean="0"/>
+              <a:t>Polyline</a:t>
+            </a:r>
+            <a:endParaRPr kumimoji="1" lang="ja-JP" altLang="en-US"/>
+          </a:p>
+        </p:txBody>
+      </p:sp>
+      <p:sp>
+        <p:nvSpPr>
+          <p:cNvPr id="43" name="角丸四角形 42"/>
           <p:cNvSpPr/>
           <p:nvPr/>
         </p:nvSpPr>
         <p:spPr>
           <a:xfrm>
-            <a:off x="3419872" y="1268760"/>
-            <a:ext cx="936104" cy="216024"/>
+            <a:off x="251520" y="548680"/>
+            <a:ext cx="216024" cy="216024"/>
           </a:xfrm>
           <a:prstGeom prst="roundRect">
             <a:avLst/>
@@ -4630,13 +4492,13 @@
         </p:spPr>
         <p:style>
           <a:lnRef idx="1">
-            <a:schemeClr val="accent4"/>
+            <a:schemeClr val="dk1"/>
           </a:lnRef>
           <a:fillRef idx="3">
-            <a:schemeClr val="accent4"/>
+            <a:schemeClr val="dk1"/>
           </a:fillRef>
           <a:effectRef idx="2">
-            <a:schemeClr val="accent4"/>
+            <a:schemeClr val="dk1"/>
           </a:effectRef>
           <a:fontRef idx="minor">
             <a:schemeClr val="lt1"/>
@@ -4648,14 +4510,14 @@
           <a:p>
             <a:pPr algn="ctr"/>
             <a:r>
-              <a:rPr lang="en-US" altLang="ja-JP" sz="1100" dirty="0" smtClean="0">
-                <a:latin typeface="Consolas" pitchFamily="49" charset="0"/>
+              <a:rPr lang="en-US" altLang="ja-JP" sz="1200" smtClean="0">
+                <a:latin typeface="Nyala" pitchFamily="2" charset="0"/>
                 <a:cs typeface="Consolas" pitchFamily="49" charset="0"/>
               </a:rPr>
-              <a:t>thickness</a:t>
-            </a:r>
-            <a:endParaRPr kumimoji="1" lang="ja-JP" altLang="en-US" sz="1100" dirty="0">
-              <a:latin typeface="Consolas" pitchFamily="49" charset="0"/>
+              <a:t>P</a:t>
+            </a:r>
+            <a:endParaRPr kumimoji="1" lang="ja-JP" altLang="en-US" sz="1200">
+              <a:latin typeface="Nyala" pitchFamily="2" charset="0"/>
               <a:cs typeface="Consolas" pitchFamily="49" charset="0"/>
             </a:endParaRPr>
           </a:p>
@@ -4663,14 +4525,14 @@
       </p:sp>
       <p:sp>
         <p:nvSpPr>
-          <p:cNvPr id="39" name="角丸四角形 38"/>
+          <p:cNvPr id="44" name="角丸四角形 43"/>
           <p:cNvSpPr/>
           <p:nvPr/>
         </p:nvSpPr>
         <p:spPr>
           <a:xfrm>
-            <a:off x="1907704" y="1268760"/>
-            <a:ext cx="576064" cy="216024"/>
+            <a:off x="539552" y="548680"/>
+            <a:ext cx="864096" cy="216024"/>
           </a:xfrm>
           <a:prstGeom prst="roundRect">
             <a:avLst/>
@@ -4696,14 +4558,14 @@
           <a:p>
             <a:pPr algn="ctr"/>
             <a:r>
-              <a:rPr lang="en-US" altLang="ja-JP" sz="1100" dirty="0" smtClean="0">
-                <a:latin typeface="Consolas" pitchFamily="49" charset="0"/>
+              <a:rPr lang="en-US" altLang="ja-JP" sz="1200" smtClean="0">
+                <a:latin typeface="Nyala" pitchFamily="2" charset="0"/>
                 <a:cs typeface="Consolas" pitchFamily="49" charset="0"/>
               </a:rPr>
-              <a:t>unit</a:t>
-            </a:r>
-            <a:endParaRPr kumimoji="1" lang="ja-JP" altLang="en-US" sz="1100" dirty="0">
-              <a:latin typeface="Consolas" pitchFamily="49" charset="0"/>
+              <a:t>point_count</a:t>
+            </a:r>
+            <a:endParaRPr kumimoji="1" lang="ja-JP" altLang="en-US" sz="1200">
+              <a:latin typeface="Nyala" pitchFamily="2" charset="0"/>
               <a:cs typeface="Consolas" pitchFamily="49" charset="0"/>
             </a:endParaRPr>
           </a:p>
@@ -4711,14 +4573,14 @@
       </p:sp>
       <p:sp>
         <p:nvSpPr>
-          <p:cNvPr id="40" name="角丸四角形 39"/>
+          <p:cNvPr id="48" name="角丸四角形 47"/>
           <p:cNvSpPr/>
           <p:nvPr/>
         </p:nvSpPr>
         <p:spPr>
           <a:xfrm>
-            <a:off x="2555776" y="1268760"/>
-            <a:ext cx="792088" cy="216024"/>
+            <a:off x="3563888" y="548680"/>
+            <a:ext cx="432048" cy="216024"/>
           </a:xfrm>
           <a:prstGeom prst="roundRect">
             <a:avLst/>
@@ -4726,13 +4588,13 @@
         </p:spPr>
         <p:style>
           <a:lnRef idx="1">
-            <a:schemeClr val="accent4"/>
+            <a:schemeClr val="accent1"/>
           </a:lnRef>
           <a:fillRef idx="3">
-            <a:schemeClr val="accent4"/>
+            <a:schemeClr val="accent1"/>
           </a:fillRef>
           <a:effectRef idx="2">
-            <a:schemeClr val="accent4"/>
+            <a:schemeClr val="accent1"/>
           </a:effectRef>
           <a:fontRef idx="minor">
             <a:schemeClr val="lt1"/>
@@ -4744,14 +4606,14 @@
           <a:p>
             <a:pPr algn="ctr"/>
             <a:r>
-              <a:rPr lang="en-US" altLang="ja-JP" sz="1100" dirty="0" smtClean="0">
-                <a:latin typeface="Consolas" pitchFamily="49" charset="0"/>
+              <a:rPr lang="en-US" altLang="ja-JP" sz="1200" smtClean="0">
+                <a:latin typeface="Nyala" pitchFamily="2" charset="0"/>
                 <a:cs typeface="Consolas" pitchFamily="49" charset="0"/>
               </a:rPr>
-              <a:t>convert</a:t>
-            </a:r>
-            <a:endParaRPr kumimoji="1" lang="ja-JP" altLang="en-US" sz="1100" dirty="0">
-              <a:latin typeface="Consolas" pitchFamily="49" charset="0"/>
+              <a:t>x(i)</a:t>
+            </a:r>
+            <a:endParaRPr kumimoji="1" lang="ja-JP" altLang="en-US" sz="1200">
+              <a:latin typeface="Nyala" pitchFamily="2" charset="0"/>
               <a:cs typeface="Consolas" pitchFamily="49" charset="0"/>
             </a:endParaRPr>
           </a:p>
@@ -4759,14 +4621,14 @@
       </p:sp>
       <p:sp>
         <p:nvSpPr>
-          <p:cNvPr id="41" name="角丸四角形 40"/>
+          <p:cNvPr id="49" name="角丸四角形 48"/>
           <p:cNvSpPr/>
           <p:nvPr/>
         </p:nvSpPr>
         <p:spPr>
           <a:xfrm>
-            <a:off x="4427984" y="1268760"/>
-            <a:ext cx="360040" cy="216024"/>
+            <a:off x="4067944" y="548680"/>
+            <a:ext cx="432048" cy="216024"/>
           </a:xfrm>
           <a:prstGeom prst="roundRect">
             <a:avLst/>
@@ -4774,13 +4636,13 @@
         </p:spPr>
         <p:style>
           <a:lnRef idx="1">
-            <a:schemeClr val="accent4"/>
+            <a:schemeClr val="accent1"/>
           </a:lnRef>
           <a:fillRef idx="3">
-            <a:schemeClr val="accent4"/>
+            <a:schemeClr val="accent1"/>
           </a:fillRef>
           <a:effectRef idx="2">
-            <a:schemeClr val="accent4"/>
+            <a:schemeClr val="accent1"/>
           </a:effectRef>
           <a:fontRef idx="minor">
             <a:schemeClr val="lt1"/>
@@ -4792,19 +4654,2285 @@
           <a:p>
             <a:pPr algn="ctr"/>
             <a:r>
-              <a:rPr lang="en-US" altLang="ja-JP" sz="1100" dirty="0" smtClean="0">
-                <a:latin typeface="Consolas" pitchFamily="49" charset="0"/>
+              <a:rPr kumimoji="1" lang="en-US" altLang="ja-JP" sz="1200" smtClean="0">
+                <a:latin typeface="Nyala" pitchFamily="2" charset="0"/>
                 <a:cs typeface="Consolas" pitchFamily="49" charset="0"/>
               </a:rPr>
-              <a:t>cc</a:t>
-            </a:r>
-            <a:endParaRPr kumimoji="1" lang="ja-JP" altLang="en-US" sz="1100" dirty="0">
-              <a:latin typeface="Consolas" pitchFamily="49" charset="0"/>
+              <a:t>y(i)</a:t>
+            </a:r>
+            <a:endParaRPr kumimoji="1" lang="ja-JP" altLang="en-US" sz="1200">
+              <a:latin typeface="Nyala" pitchFamily="2" charset="0"/>
               <a:cs typeface="Consolas" pitchFamily="49" charset="0"/>
             </a:endParaRPr>
           </a:p>
         </p:txBody>
       </p:sp>
+      <p:sp>
+        <p:nvSpPr>
+          <p:cNvPr id="50" name="角丸四角形 49"/>
+          <p:cNvSpPr/>
+          <p:nvPr/>
+        </p:nvSpPr>
+        <p:spPr>
+          <a:xfrm>
+            <a:off x="4644008" y="548680"/>
+            <a:ext cx="360040" cy="216024"/>
+          </a:xfrm>
+          <a:prstGeom prst="roundRect">
+            <a:avLst/>
+          </a:prstGeom>
+        </p:spPr>
+        <p:style>
+          <a:lnRef idx="1">
+            <a:schemeClr val="accent2"/>
+          </a:lnRef>
+          <a:fillRef idx="3">
+            <a:schemeClr val="accent2"/>
+          </a:fillRef>
+          <a:effectRef idx="2">
+            <a:schemeClr val="accent2"/>
+          </a:effectRef>
+          <a:fontRef idx="minor">
+            <a:schemeClr val="lt1"/>
+          </a:fontRef>
+        </p:style>
+        <p:txBody>
+          <a:bodyPr rtlCol="0" anchor="ctr"/>
+          <a:lstStyle/>
+          <a:p>
+            <a:pPr algn="ctr"/>
+            <a:r>
+              <a:rPr lang="en-US" altLang="ja-JP" sz="1200" smtClean="0">
+                <a:latin typeface="Nyala" pitchFamily="2" charset="0"/>
+                <a:cs typeface="Consolas" pitchFamily="49" charset="0"/>
+              </a:rPr>
+              <a:t>fill</a:t>
+            </a:r>
+            <a:endParaRPr kumimoji="1" lang="ja-JP" altLang="en-US" sz="1200">
+              <a:latin typeface="Nyala" pitchFamily="2" charset="0"/>
+              <a:cs typeface="Consolas" pitchFamily="49" charset="0"/>
+            </a:endParaRPr>
+          </a:p>
+        </p:txBody>
+      </p:sp>
+      <p:sp>
+        <p:nvSpPr>
+          <p:cNvPr id="51" name="テキスト ボックス 50"/>
+          <p:cNvSpPr txBox="1"/>
+          <p:nvPr/>
+        </p:nvSpPr>
+        <p:spPr>
+          <a:xfrm>
+            <a:off x="3347864" y="404664"/>
+            <a:ext cx="256802" cy="461665"/>
+          </a:xfrm>
+          <a:prstGeom prst="rect">
+            <a:avLst/>
+          </a:prstGeom>
+          <a:noFill/>
+        </p:spPr>
+        <p:txBody>
+          <a:bodyPr wrap="square" rtlCol="0">
+            <a:spAutoFit/>
+          </a:bodyPr>
+          <a:lstStyle/>
+          <a:p>
+            <a:r>
+              <a:rPr kumimoji="1" lang="en-US" altLang="ja-JP" sz="2400" smtClean="0">
+                <a:cs typeface="Consolas" pitchFamily="49" charset="0"/>
+              </a:rPr>
+              <a:t>{</a:t>
+            </a:r>
+            <a:endParaRPr kumimoji="1" lang="ja-JP" altLang="en-US" sz="2400">
+              <a:cs typeface="Consolas" pitchFamily="49" charset="0"/>
+            </a:endParaRPr>
+          </a:p>
+        </p:txBody>
+      </p:sp>
+      <p:sp>
+        <p:nvSpPr>
+          <p:cNvPr id="53" name="テキスト ボックス 52"/>
+          <p:cNvSpPr txBox="1"/>
+          <p:nvPr/>
+        </p:nvSpPr>
+        <p:spPr>
+          <a:xfrm>
+            <a:off x="4427984" y="404664"/>
+            <a:ext cx="256802" cy="461665"/>
+          </a:xfrm>
+          <a:prstGeom prst="rect">
+            <a:avLst/>
+          </a:prstGeom>
+          <a:noFill/>
+        </p:spPr>
+        <p:txBody>
+          <a:bodyPr wrap="square" rtlCol="0">
+            <a:spAutoFit/>
+          </a:bodyPr>
+          <a:lstStyle/>
+          <a:p>
+            <a:r>
+              <a:rPr lang="en-US" altLang="ja-JP" sz="2400" smtClean="0">
+                <a:cs typeface="Consolas" pitchFamily="49" charset="0"/>
+              </a:rPr>
+              <a:t>}</a:t>
+            </a:r>
+            <a:endParaRPr kumimoji="1" lang="ja-JP" altLang="en-US" sz="2400">
+              <a:cs typeface="Consolas" pitchFamily="49" charset="0"/>
+            </a:endParaRPr>
+          </a:p>
+        </p:txBody>
+      </p:sp>
+      <p:sp>
+        <p:nvSpPr>
+          <p:cNvPr id="54" name="テキスト ボックス 53"/>
+          <p:cNvSpPr txBox="1"/>
+          <p:nvPr/>
+        </p:nvSpPr>
+        <p:spPr>
+          <a:xfrm>
+            <a:off x="251520" y="908720"/>
+            <a:ext cx="1102738" cy="369332"/>
+          </a:xfrm>
+          <a:prstGeom prst="rect">
+            <a:avLst/>
+          </a:prstGeom>
+          <a:noFill/>
+        </p:spPr>
+        <p:txBody>
+          <a:bodyPr wrap="none" rtlCol="0">
+            <a:spAutoFit/>
+          </a:bodyPr>
+          <a:lstStyle/>
+          <a:p>
+            <a:r>
+              <a:rPr lang="en-US" altLang="ja-JP" smtClean="0"/>
+              <a:t>Rectangle</a:t>
+            </a:r>
+            <a:endParaRPr kumimoji="1" lang="ja-JP" altLang="en-US"/>
+          </a:p>
+        </p:txBody>
+      </p:sp>
+      <p:sp>
+        <p:nvSpPr>
+          <p:cNvPr id="55" name="角丸四角形 54"/>
+          <p:cNvSpPr/>
+          <p:nvPr/>
+        </p:nvSpPr>
+        <p:spPr>
+          <a:xfrm>
+            <a:off x="251520" y="1268760"/>
+            <a:ext cx="216024" cy="216024"/>
+          </a:xfrm>
+          <a:prstGeom prst="roundRect">
+            <a:avLst/>
+          </a:prstGeom>
+        </p:spPr>
+        <p:style>
+          <a:lnRef idx="1">
+            <a:schemeClr val="dk1"/>
+          </a:lnRef>
+          <a:fillRef idx="3">
+            <a:schemeClr val="dk1"/>
+          </a:fillRef>
+          <a:effectRef idx="2">
+            <a:schemeClr val="dk1"/>
+          </a:effectRef>
+          <a:fontRef idx="minor">
+            <a:schemeClr val="lt1"/>
+          </a:fontRef>
+        </p:style>
+        <p:txBody>
+          <a:bodyPr rtlCol="0" anchor="ctr"/>
+          <a:lstStyle/>
+          <a:p>
+            <a:pPr algn="ctr"/>
+            <a:r>
+              <a:rPr lang="en-US" altLang="ja-JP" sz="1200" smtClean="0">
+                <a:latin typeface="Nyala" pitchFamily="2" charset="0"/>
+                <a:cs typeface="Consolas" pitchFamily="49" charset="0"/>
+              </a:rPr>
+              <a:t>S</a:t>
+            </a:r>
+            <a:endParaRPr kumimoji="1" lang="ja-JP" altLang="en-US" sz="1200">
+              <a:latin typeface="Nyala" pitchFamily="2" charset="0"/>
+              <a:cs typeface="Consolas" pitchFamily="49" charset="0"/>
+            </a:endParaRPr>
+          </a:p>
+        </p:txBody>
+      </p:sp>
+      <p:sp>
+        <p:nvSpPr>
+          <p:cNvPr id="64" name="テキスト ボックス 63"/>
+          <p:cNvSpPr txBox="1"/>
+          <p:nvPr/>
+        </p:nvSpPr>
+        <p:spPr>
+          <a:xfrm>
+            <a:off x="251520" y="2348880"/>
+            <a:ext cx="492251" cy="369332"/>
+          </a:xfrm>
+          <a:prstGeom prst="rect">
+            <a:avLst/>
+          </a:prstGeom>
+          <a:noFill/>
+        </p:spPr>
+        <p:txBody>
+          <a:bodyPr wrap="none" rtlCol="0">
+            <a:spAutoFit/>
+          </a:bodyPr>
+          <a:lstStyle/>
+          <a:p>
+            <a:r>
+              <a:rPr kumimoji="1" lang="en-US" altLang="ja-JP" smtClean="0"/>
+              <a:t>Arc</a:t>
+            </a:r>
+            <a:endParaRPr kumimoji="1" lang="ja-JP" altLang="en-US"/>
+          </a:p>
+        </p:txBody>
+      </p:sp>
+      <p:sp>
+        <p:nvSpPr>
+          <p:cNvPr id="65" name="角丸四角形 64"/>
+          <p:cNvSpPr/>
+          <p:nvPr/>
+        </p:nvSpPr>
+        <p:spPr>
+          <a:xfrm>
+            <a:off x="251520" y="2708920"/>
+            <a:ext cx="216024" cy="216024"/>
+          </a:xfrm>
+          <a:prstGeom prst="roundRect">
+            <a:avLst/>
+          </a:prstGeom>
+        </p:spPr>
+        <p:style>
+          <a:lnRef idx="1">
+            <a:schemeClr val="dk1"/>
+          </a:lnRef>
+          <a:fillRef idx="3">
+            <a:schemeClr val="dk1"/>
+          </a:fillRef>
+          <a:effectRef idx="2">
+            <a:schemeClr val="dk1"/>
+          </a:effectRef>
+          <a:fontRef idx="minor">
+            <a:schemeClr val="lt1"/>
+          </a:fontRef>
+        </p:style>
+        <p:txBody>
+          <a:bodyPr rtlCol="0" anchor="ctr"/>
+          <a:lstStyle/>
+          <a:p>
+            <a:pPr algn="ctr"/>
+            <a:r>
+              <a:rPr lang="en-US" altLang="ja-JP" sz="1200" smtClean="0">
+                <a:latin typeface="Nyala" pitchFamily="2" charset="0"/>
+                <a:cs typeface="Consolas" pitchFamily="49" charset="0"/>
+              </a:rPr>
+              <a:t>A</a:t>
+            </a:r>
+            <a:endParaRPr kumimoji="1" lang="ja-JP" altLang="en-US" sz="1200">
+              <a:latin typeface="Nyala" pitchFamily="2" charset="0"/>
+              <a:cs typeface="Consolas" pitchFamily="49" charset="0"/>
+            </a:endParaRPr>
+          </a:p>
+        </p:txBody>
+      </p:sp>
+      <p:sp>
+        <p:nvSpPr>
+          <p:cNvPr id="66" name="角丸四角形 65"/>
+          <p:cNvSpPr/>
+          <p:nvPr/>
+        </p:nvSpPr>
+        <p:spPr>
+          <a:xfrm>
+            <a:off x="539552" y="2708920"/>
+            <a:ext cx="216024" cy="216024"/>
+          </a:xfrm>
+          <a:prstGeom prst="roundRect">
+            <a:avLst/>
+          </a:prstGeom>
+        </p:spPr>
+        <p:style>
+          <a:lnRef idx="1">
+            <a:schemeClr val="accent4"/>
+          </a:lnRef>
+          <a:fillRef idx="3">
+            <a:schemeClr val="accent4"/>
+          </a:fillRef>
+          <a:effectRef idx="2">
+            <a:schemeClr val="accent4"/>
+          </a:effectRef>
+          <a:fontRef idx="minor">
+            <a:schemeClr val="lt1"/>
+          </a:fontRef>
+        </p:style>
+        <p:txBody>
+          <a:bodyPr rtlCol="0" anchor="ctr"/>
+          <a:lstStyle/>
+          <a:p>
+            <a:pPr algn="ctr"/>
+            <a:r>
+              <a:rPr lang="en-US" altLang="ja-JP" sz="1200" smtClean="0">
+                <a:latin typeface="Nyala" pitchFamily="2" charset="0"/>
+                <a:cs typeface="Consolas" pitchFamily="49" charset="0"/>
+              </a:rPr>
+              <a:t>x</a:t>
+            </a:r>
+            <a:endParaRPr kumimoji="1" lang="ja-JP" altLang="en-US" sz="1200">
+              <a:latin typeface="Nyala" pitchFamily="2" charset="0"/>
+              <a:cs typeface="Consolas" pitchFamily="49" charset="0"/>
+            </a:endParaRPr>
+          </a:p>
+        </p:txBody>
+      </p:sp>
+      <p:sp>
+        <p:nvSpPr>
+          <p:cNvPr id="67" name="角丸四角形 66"/>
+          <p:cNvSpPr/>
+          <p:nvPr/>
+        </p:nvSpPr>
+        <p:spPr>
+          <a:xfrm>
+            <a:off x="827584" y="2708920"/>
+            <a:ext cx="216024" cy="216024"/>
+          </a:xfrm>
+          <a:prstGeom prst="roundRect">
+            <a:avLst/>
+          </a:prstGeom>
+        </p:spPr>
+        <p:style>
+          <a:lnRef idx="1">
+            <a:schemeClr val="accent4"/>
+          </a:lnRef>
+          <a:fillRef idx="3">
+            <a:schemeClr val="accent4"/>
+          </a:fillRef>
+          <a:effectRef idx="2">
+            <a:schemeClr val="accent4"/>
+          </a:effectRef>
+          <a:fontRef idx="minor">
+            <a:schemeClr val="lt1"/>
+          </a:fontRef>
+        </p:style>
+        <p:txBody>
+          <a:bodyPr rtlCol="0" anchor="ctr"/>
+          <a:lstStyle/>
+          <a:p>
+            <a:pPr algn="ctr"/>
+            <a:r>
+              <a:rPr kumimoji="1" lang="en-US" altLang="ja-JP" sz="1200" smtClean="0">
+                <a:latin typeface="Nyala" pitchFamily="2" charset="0"/>
+                <a:cs typeface="Consolas" pitchFamily="49" charset="0"/>
+              </a:rPr>
+              <a:t>y</a:t>
+            </a:r>
+            <a:endParaRPr kumimoji="1" lang="ja-JP" altLang="en-US" sz="1200">
+              <a:latin typeface="Nyala" pitchFamily="2" charset="0"/>
+              <a:cs typeface="Consolas" pitchFamily="49" charset="0"/>
+            </a:endParaRPr>
+          </a:p>
+        </p:txBody>
+      </p:sp>
+      <p:sp>
+        <p:nvSpPr>
+          <p:cNvPr id="68" name="角丸四角形 67"/>
+          <p:cNvSpPr/>
+          <p:nvPr/>
+        </p:nvSpPr>
+        <p:spPr>
+          <a:xfrm>
+            <a:off x="1115616" y="2708920"/>
+            <a:ext cx="216024" cy="216024"/>
+          </a:xfrm>
+          <a:prstGeom prst="roundRect">
+            <a:avLst/>
+          </a:prstGeom>
+        </p:spPr>
+        <p:style>
+          <a:lnRef idx="1">
+            <a:schemeClr val="accent4"/>
+          </a:lnRef>
+          <a:fillRef idx="3">
+            <a:schemeClr val="accent4"/>
+          </a:fillRef>
+          <a:effectRef idx="2">
+            <a:schemeClr val="accent4"/>
+          </a:effectRef>
+          <a:fontRef idx="minor">
+            <a:schemeClr val="lt1"/>
+          </a:fontRef>
+        </p:style>
+        <p:txBody>
+          <a:bodyPr rtlCol="0" anchor="ctr"/>
+          <a:lstStyle/>
+          <a:p>
+            <a:pPr algn="ctr"/>
+            <a:r>
+              <a:rPr lang="en-US" altLang="ja-JP" sz="1200" smtClean="0">
+                <a:latin typeface="Nyala" pitchFamily="2" charset="0"/>
+                <a:cs typeface="Consolas" pitchFamily="49" charset="0"/>
+              </a:rPr>
+              <a:t>r</a:t>
+            </a:r>
+            <a:endParaRPr kumimoji="1" lang="ja-JP" altLang="en-US" sz="1200">
+              <a:latin typeface="Nyala" pitchFamily="2" charset="0"/>
+              <a:cs typeface="Consolas" pitchFamily="49" charset="0"/>
+            </a:endParaRPr>
+          </a:p>
+        </p:txBody>
+      </p:sp>
+      <p:sp>
+        <p:nvSpPr>
+          <p:cNvPr id="70" name="角丸四角形 69"/>
+          <p:cNvSpPr/>
+          <p:nvPr/>
+        </p:nvSpPr>
+        <p:spPr>
+          <a:xfrm>
+            <a:off x="3203848" y="2708920"/>
+            <a:ext cx="432048" cy="216024"/>
+          </a:xfrm>
+          <a:prstGeom prst="roundRect">
+            <a:avLst/>
+          </a:prstGeom>
+        </p:spPr>
+        <p:style>
+          <a:lnRef idx="1">
+            <a:schemeClr val="accent4"/>
+          </a:lnRef>
+          <a:fillRef idx="3">
+            <a:schemeClr val="accent4"/>
+          </a:fillRef>
+          <a:effectRef idx="2">
+            <a:schemeClr val="accent4"/>
+          </a:effectRef>
+          <a:fontRef idx="minor">
+            <a:schemeClr val="lt1"/>
+          </a:fontRef>
+        </p:style>
+        <p:txBody>
+          <a:bodyPr rtlCol="0" anchor="ctr"/>
+          <a:lstStyle/>
+          <a:p>
+            <a:pPr algn="ctr"/>
+            <a:r>
+              <a:rPr lang="en-US" altLang="ja-JP" sz="1200" smtClean="0">
+                <a:latin typeface="Nyala" pitchFamily="2" charset="0"/>
+                <a:cs typeface="Consolas" pitchFamily="49" charset="0"/>
+              </a:rPr>
+              <a:t>unit</a:t>
+            </a:r>
+            <a:endParaRPr kumimoji="1" lang="ja-JP" altLang="en-US" sz="1200">
+              <a:latin typeface="Nyala" pitchFamily="2" charset="0"/>
+              <a:cs typeface="Consolas" pitchFamily="49" charset="0"/>
+            </a:endParaRPr>
+          </a:p>
+        </p:txBody>
+      </p:sp>
+      <p:sp>
+        <p:nvSpPr>
+          <p:cNvPr id="72" name="角丸四角形 71"/>
+          <p:cNvSpPr/>
+          <p:nvPr/>
+        </p:nvSpPr>
+        <p:spPr>
+          <a:xfrm>
+            <a:off x="5220072" y="2708920"/>
+            <a:ext cx="360040" cy="216024"/>
+          </a:xfrm>
+          <a:prstGeom prst="roundRect">
+            <a:avLst/>
+          </a:prstGeom>
+        </p:spPr>
+        <p:style>
+          <a:lnRef idx="1">
+            <a:schemeClr val="accent2"/>
+          </a:lnRef>
+          <a:fillRef idx="3">
+            <a:schemeClr val="accent2"/>
+          </a:fillRef>
+          <a:effectRef idx="2">
+            <a:schemeClr val="accent2"/>
+          </a:effectRef>
+          <a:fontRef idx="minor">
+            <a:schemeClr val="lt1"/>
+          </a:fontRef>
+        </p:style>
+        <p:txBody>
+          <a:bodyPr rtlCol="0" anchor="ctr"/>
+          <a:lstStyle/>
+          <a:p>
+            <a:pPr algn="ctr"/>
+            <a:r>
+              <a:rPr lang="en-US" altLang="ja-JP" sz="1200" smtClean="0">
+                <a:latin typeface="Nyala" pitchFamily="2" charset="0"/>
+                <a:cs typeface="Consolas" pitchFamily="49" charset="0"/>
+              </a:rPr>
+              <a:t>fill</a:t>
+            </a:r>
+            <a:endParaRPr kumimoji="1" lang="ja-JP" altLang="en-US" sz="1200">
+              <a:latin typeface="Nyala" pitchFamily="2" charset="0"/>
+              <a:cs typeface="Consolas" pitchFamily="49" charset="0"/>
+            </a:endParaRPr>
+          </a:p>
+        </p:txBody>
+      </p:sp>
+      <p:sp>
+        <p:nvSpPr>
+          <p:cNvPr id="73" name="角丸四角形 72"/>
+          <p:cNvSpPr/>
+          <p:nvPr/>
+        </p:nvSpPr>
+        <p:spPr>
+          <a:xfrm>
+            <a:off x="1403648" y="2708920"/>
+            <a:ext cx="864096" cy="216024"/>
+          </a:xfrm>
+          <a:prstGeom prst="roundRect">
+            <a:avLst/>
+          </a:prstGeom>
+        </p:spPr>
+        <p:style>
+          <a:lnRef idx="1">
+            <a:schemeClr val="accent4"/>
+          </a:lnRef>
+          <a:fillRef idx="3">
+            <a:schemeClr val="accent4"/>
+          </a:fillRef>
+          <a:effectRef idx="2">
+            <a:schemeClr val="accent4"/>
+          </a:effectRef>
+          <a:fontRef idx="minor">
+            <a:schemeClr val="lt1"/>
+          </a:fontRef>
+        </p:style>
+        <p:txBody>
+          <a:bodyPr rtlCol="0" anchor="ctr"/>
+          <a:lstStyle/>
+          <a:p>
+            <a:pPr algn="ctr"/>
+            <a:r>
+              <a:rPr lang="en-US" altLang="ja-JP" sz="1200" smtClean="0">
+                <a:latin typeface="Nyala" pitchFamily="2" charset="0"/>
+                <a:cs typeface="Consolas" pitchFamily="49" charset="0"/>
+              </a:rPr>
+              <a:t>s</a:t>
+            </a:r>
+            <a:r>
+              <a:rPr kumimoji="1" lang="en-US" altLang="ja-JP" sz="1200" smtClean="0">
+                <a:latin typeface="Nyala" pitchFamily="2" charset="0"/>
+                <a:cs typeface="Consolas" pitchFamily="49" charset="0"/>
+              </a:rPr>
+              <a:t>tart_angle</a:t>
+            </a:r>
+            <a:endParaRPr kumimoji="1" lang="ja-JP" altLang="en-US" sz="1200">
+              <a:latin typeface="Nyala" pitchFamily="2" charset="0"/>
+              <a:cs typeface="Consolas" pitchFamily="49" charset="0"/>
+            </a:endParaRPr>
+          </a:p>
+        </p:txBody>
+      </p:sp>
+      <p:sp>
+        <p:nvSpPr>
+          <p:cNvPr id="74" name="角丸四角形 73"/>
+          <p:cNvSpPr/>
+          <p:nvPr/>
+        </p:nvSpPr>
+        <p:spPr>
+          <a:xfrm>
+            <a:off x="2339752" y="2708920"/>
+            <a:ext cx="792088" cy="216024"/>
+          </a:xfrm>
+          <a:prstGeom prst="roundRect">
+            <a:avLst/>
+          </a:prstGeom>
+        </p:spPr>
+        <p:style>
+          <a:lnRef idx="1">
+            <a:schemeClr val="accent4"/>
+          </a:lnRef>
+          <a:fillRef idx="3">
+            <a:schemeClr val="accent4"/>
+          </a:fillRef>
+          <a:effectRef idx="2">
+            <a:schemeClr val="accent4"/>
+          </a:effectRef>
+          <a:fontRef idx="minor">
+            <a:schemeClr val="lt1"/>
+          </a:fontRef>
+        </p:style>
+        <p:txBody>
+          <a:bodyPr rtlCol="0" anchor="ctr"/>
+          <a:lstStyle/>
+          <a:p>
+            <a:pPr algn="ctr"/>
+            <a:r>
+              <a:rPr lang="en-US" altLang="ja-JP" sz="1200" smtClean="0">
+                <a:latin typeface="Nyala" pitchFamily="2" charset="0"/>
+                <a:cs typeface="Consolas" pitchFamily="49" charset="0"/>
+              </a:rPr>
+              <a:t>end_angle</a:t>
+            </a:r>
+            <a:endParaRPr kumimoji="1" lang="ja-JP" altLang="en-US" sz="1200">
+              <a:latin typeface="Nyala" pitchFamily="2" charset="0"/>
+              <a:cs typeface="Consolas" pitchFamily="49" charset="0"/>
+            </a:endParaRPr>
+          </a:p>
+        </p:txBody>
+      </p:sp>
+      <p:sp>
+        <p:nvSpPr>
+          <p:cNvPr id="75" name="角丸四角形 74"/>
+          <p:cNvSpPr/>
+          <p:nvPr/>
+        </p:nvSpPr>
+        <p:spPr>
+          <a:xfrm>
+            <a:off x="5652120" y="2708920"/>
+            <a:ext cx="576064" cy="216024"/>
+          </a:xfrm>
+          <a:prstGeom prst="roundRect">
+            <a:avLst/>
+          </a:prstGeom>
+        </p:spPr>
+        <p:style>
+          <a:lnRef idx="1">
+            <a:schemeClr val="accent4"/>
+          </a:lnRef>
+          <a:fillRef idx="3">
+            <a:schemeClr val="accent4"/>
+          </a:fillRef>
+          <a:effectRef idx="2">
+            <a:schemeClr val="accent4"/>
+          </a:effectRef>
+          <a:fontRef idx="minor">
+            <a:schemeClr val="lt1"/>
+          </a:fontRef>
+        </p:style>
+        <p:txBody>
+          <a:bodyPr rtlCol="0" anchor="ctr"/>
+          <a:lstStyle/>
+          <a:p>
+            <a:pPr algn="ctr"/>
+            <a:r>
+              <a:rPr lang="en-US" altLang="ja-JP" sz="1200" smtClean="0">
+                <a:latin typeface="Nyala" pitchFamily="2" charset="0"/>
+                <a:cs typeface="Consolas" pitchFamily="49" charset="0"/>
+              </a:rPr>
+              <a:t>start_x</a:t>
+            </a:r>
+            <a:endParaRPr kumimoji="1" lang="ja-JP" altLang="en-US" sz="1200">
+              <a:latin typeface="Nyala" pitchFamily="2" charset="0"/>
+              <a:cs typeface="Consolas" pitchFamily="49" charset="0"/>
+            </a:endParaRPr>
+          </a:p>
+        </p:txBody>
+      </p:sp>
+      <p:sp>
+        <p:nvSpPr>
+          <p:cNvPr id="76" name="角丸四角形 75"/>
+          <p:cNvSpPr/>
+          <p:nvPr/>
+        </p:nvSpPr>
+        <p:spPr>
+          <a:xfrm>
+            <a:off x="6300192" y="2708920"/>
+            <a:ext cx="576064" cy="216024"/>
+          </a:xfrm>
+          <a:prstGeom prst="roundRect">
+            <a:avLst/>
+          </a:prstGeom>
+        </p:spPr>
+        <p:style>
+          <a:lnRef idx="1">
+            <a:schemeClr val="accent4"/>
+          </a:lnRef>
+          <a:fillRef idx="3">
+            <a:schemeClr val="accent4"/>
+          </a:fillRef>
+          <a:effectRef idx="2">
+            <a:schemeClr val="accent4"/>
+          </a:effectRef>
+          <a:fontRef idx="minor">
+            <a:schemeClr val="lt1"/>
+          </a:fontRef>
+        </p:style>
+        <p:txBody>
+          <a:bodyPr rtlCol="0" anchor="ctr"/>
+          <a:lstStyle/>
+          <a:p>
+            <a:pPr algn="ctr"/>
+            <a:r>
+              <a:rPr lang="en-US" altLang="ja-JP" sz="1200" err="1" smtClean="0">
+                <a:latin typeface="Nyala" pitchFamily="2" charset="0"/>
+                <a:cs typeface="Consolas" pitchFamily="49" charset="0"/>
+              </a:rPr>
+              <a:t>s</a:t>
+            </a:r>
+            <a:r>
+              <a:rPr kumimoji="1" lang="en-US" altLang="ja-JP" sz="1200" err="1" smtClean="0">
+                <a:latin typeface="Nyala" pitchFamily="2" charset="0"/>
+                <a:cs typeface="Consolas" pitchFamily="49" charset="0"/>
+              </a:rPr>
+              <a:t>tart_y</a:t>
+            </a:r>
+            <a:endParaRPr kumimoji="1" lang="ja-JP" altLang="en-US" sz="1200">
+              <a:latin typeface="Nyala" pitchFamily="2" charset="0"/>
+              <a:cs typeface="Consolas" pitchFamily="49" charset="0"/>
+            </a:endParaRPr>
+          </a:p>
+        </p:txBody>
+      </p:sp>
+      <p:sp>
+        <p:nvSpPr>
+          <p:cNvPr id="77" name="角丸四角形 76"/>
+          <p:cNvSpPr/>
+          <p:nvPr/>
+        </p:nvSpPr>
+        <p:spPr>
+          <a:xfrm>
+            <a:off x="6948264" y="2708920"/>
+            <a:ext cx="576064" cy="216024"/>
+          </a:xfrm>
+          <a:prstGeom prst="roundRect">
+            <a:avLst/>
+          </a:prstGeom>
+        </p:spPr>
+        <p:style>
+          <a:lnRef idx="1">
+            <a:schemeClr val="accent4"/>
+          </a:lnRef>
+          <a:fillRef idx="3">
+            <a:schemeClr val="accent4"/>
+          </a:fillRef>
+          <a:effectRef idx="2">
+            <a:schemeClr val="accent4"/>
+          </a:effectRef>
+          <a:fontRef idx="minor">
+            <a:schemeClr val="lt1"/>
+          </a:fontRef>
+        </p:style>
+        <p:txBody>
+          <a:bodyPr rtlCol="0" anchor="ctr"/>
+          <a:lstStyle/>
+          <a:p>
+            <a:pPr algn="ctr"/>
+            <a:r>
+              <a:rPr lang="en-US" altLang="ja-JP" sz="1200" smtClean="0">
+                <a:latin typeface="Nyala" pitchFamily="2" charset="0"/>
+                <a:cs typeface="Consolas" pitchFamily="49" charset="0"/>
+              </a:rPr>
+              <a:t>end_x</a:t>
+            </a:r>
+            <a:endParaRPr kumimoji="1" lang="ja-JP" altLang="en-US" sz="1200">
+              <a:latin typeface="Nyala" pitchFamily="2" charset="0"/>
+              <a:cs typeface="Consolas" pitchFamily="49" charset="0"/>
+            </a:endParaRPr>
+          </a:p>
+        </p:txBody>
+      </p:sp>
+      <p:sp>
+        <p:nvSpPr>
+          <p:cNvPr id="78" name="角丸四角形 77"/>
+          <p:cNvSpPr/>
+          <p:nvPr/>
+        </p:nvSpPr>
+        <p:spPr>
+          <a:xfrm>
+            <a:off x="7596336" y="2708920"/>
+            <a:ext cx="576064" cy="216024"/>
+          </a:xfrm>
+          <a:prstGeom prst="roundRect">
+            <a:avLst/>
+          </a:prstGeom>
+        </p:spPr>
+        <p:style>
+          <a:lnRef idx="1">
+            <a:schemeClr val="accent4"/>
+          </a:lnRef>
+          <a:fillRef idx="3">
+            <a:schemeClr val="accent4"/>
+          </a:fillRef>
+          <a:effectRef idx="2">
+            <a:schemeClr val="accent4"/>
+          </a:effectRef>
+          <a:fontRef idx="minor">
+            <a:schemeClr val="lt1"/>
+          </a:fontRef>
+        </p:style>
+        <p:txBody>
+          <a:bodyPr rtlCol="0" anchor="ctr"/>
+          <a:lstStyle/>
+          <a:p>
+            <a:pPr algn="ctr"/>
+            <a:r>
+              <a:rPr lang="en-US" altLang="ja-JP" sz="1200" smtClean="0">
+                <a:latin typeface="Nyala" pitchFamily="2" charset="0"/>
+                <a:cs typeface="Consolas" pitchFamily="49" charset="0"/>
+              </a:rPr>
+              <a:t>end</a:t>
+            </a:r>
+            <a:r>
+              <a:rPr kumimoji="1" lang="en-US" altLang="ja-JP" sz="1200" smtClean="0">
+                <a:latin typeface="Nyala" pitchFamily="2" charset="0"/>
+                <a:cs typeface="Consolas" pitchFamily="49" charset="0"/>
+              </a:rPr>
+              <a:t>_y</a:t>
+            </a:r>
+            <a:endParaRPr kumimoji="1" lang="ja-JP" altLang="en-US" sz="1200">
+              <a:latin typeface="Nyala" pitchFamily="2" charset="0"/>
+              <a:cs typeface="Consolas" pitchFamily="49" charset="0"/>
+            </a:endParaRPr>
+          </a:p>
+        </p:txBody>
+      </p:sp>
+      <p:sp>
+        <p:nvSpPr>
+          <p:cNvPr id="79" name="角丸四角形 78"/>
+          <p:cNvSpPr/>
+          <p:nvPr/>
+        </p:nvSpPr>
+        <p:spPr>
+          <a:xfrm>
+            <a:off x="539552" y="1268760"/>
+            <a:ext cx="576064" cy="216024"/>
+          </a:xfrm>
+          <a:prstGeom prst="roundRect">
+            <a:avLst/>
+          </a:prstGeom>
+        </p:spPr>
+        <p:style>
+          <a:lnRef idx="1">
+            <a:schemeClr val="accent4"/>
+          </a:lnRef>
+          <a:fillRef idx="3">
+            <a:schemeClr val="accent4"/>
+          </a:fillRef>
+          <a:effectRef idx="2">
+            <a:schemeClr val="accent4"/>
+          </a:effectRef>
+          <a:fontRef idx="minor">
+            <a:schemeClr val="lt1"/>
+          </a:fontRef>
+        </p:style>
+        <p:txBody>
+          <a:bodyPr rtlCol="0" anchor="ctr"/>
+          <a:lstStyle/>
+          <a:p>
+            <a:pPr algn="ctr"/>
+            <a:r>
+              <a:rPr lang="en-US" altLang="ja-JP" sz="1200" err="1" smtClean="0">
+                <a:latin typeface="Nyala" pitchFamily="2" charset="0"/>
+                <a:cs typeface="Consolas" pitchFamily="49" charset="0"/>
+              </a:rPr>
+              <a:t>start_x</a:t>
+            </a:r>
+            <a:endParaRPr kumimoji="1" lang="ja-JP" altLang="en-US" sz="1200">
+              <a:latin typeface="Nyala" pitchFamily="2" charset="0"/>
+              <a:cs typeface="Consolas" pitchFamily="49" charset="0"/>
+            </a:endParaRPr>
+          </a:p>
+        </p:txBody>
+      </p:sp>
+      <p:sp>
+        <p:nvSpPr>
+          <p:cNvPr id="80" name="角丸四角形 79"/>
+          <p:cNvSpPr/>
+          <p:nvPr/>
+        </p:nvSpPr>
+        <p:spPr>
+          <a:xfrm>
+            <a:off x="1187624" y="1268760"/>
+            <a:ext cx="576064" cy="216024"/>
+          </a:xfrm>
+          <a:prstGeom prst="roundRect">
+            <a:avLst/>
+          </a:prstGeom>
+        </p:spPr>
+        <p:style>
+          <a:lnRef idx="1">
+            <a:schemeClr val="accent4"/>
+          </a:lnRef>
+          <a:fillRef idx="3">
+            <a:schemeClr val="accent4"/>
+          </a:fillRef>
+          <a:effectRef idx="2">
+            <a:schemeClr val="accent4"/>
+          </a:effectRef>
+          <a:fontRef idx="minor">
+            <a:schemeClr val="lt1"/>
+          </a:fontRef>
+        </p:style>
+        <p:txBody>
+          <a:bodyPr rtlCol="0" anchor="ctr"/>
+          <a:lstStyle/>
+          <a:p>
+            <a:pPr algn="ctr"/>
+            <a:r>
+              <a:rPr lang="en-US" altLang="ja-JP" sz="1200" err="1" smtClean="0">
+                <a:latin typeface="Nyala" pitchFamily="2" charset="0"/>
+                <a:cs typeface="Consolas" pitchFamily="49" charset="0"/>
+              </a:rPr>
+              <a:t>s</a:t>
+            </a:r>
+            <a:r>
+              <a:rPr kumimoji="1" lang="en-US" altLang="ja-JP" sz="1200" err="1" smtClean="0">
+                <a:latin typeface="Nyala" pitchFamily="2" charset="0"/>
+                <a:cs typeface="Consolas" pitchFamily="49" charset="0"/>
+              </a:rPr>
+              <a:t>tart_y</a:t>
+            </a:r>
+            <a:endParaRPr kumimoji="1" lang="ja-JP" altLang="en-US" sz="1200">
+              <a:latin typeface="Nyala" pitchFamily="2" charset="0"/>
+              <a:cs typeface="Consolas" pitchFamily="49" charset="0"/>
+            </a:endParaRPr>
+          </a:p>
+        </p:txBody>
+      </p:sp>
+      <p:sp>
+        <p:nvSpPr>
+          <p:cNvPr id="81" name="角丸四角形 80"/>
+          <p:cNvSpPr/>
+          <p:nvPr/>
+        </p:nvSpPr>
+        <p:spPr>
+          <a:xfrm>
+            <a:off x="1835696" y="1268760"/>
+            <a:ext cx="576064" cy="216024"/>
+          </a:xfrm>
+          <a:prstGeom prst="roundRect">
+            <a:avLst/>
+          </a:prstGeom>
+        </p:spPr>
+        <p:style>
+          <a:lnRef idx="1">
+            <a:schemeClr val="accent4"/>
+          </a:lnRef>
+          <a:fillRef idx="3">
+            <a:schemeClr val="accent4"/>
+          </a:fillRef>
+          <a:effectRef idx="2">
+            <a:schemeClr val="accent4"/>
+          </a:effectRef>
+          <a:fontRef idx="minor">
+            <a:schemeClr val="lt1"/>
+          </a:fontRef>
+        </p:style>
+        <p:txBody>
+          <a:bodyPr rtlCol="0" anchor="ctr"/>
+          <a:lstStyle/>
+          <a:p>
+            <a:pPr algn="ctr"/>
+            <a:r>
+              <a:rPr lang="en-US" altLang="ja-JP" sz="1200" smtClean="0">
+                <a:latin typeface="Nyala" pitchFamily="2" charset="0"/>
+                <a:cs typeface="Consolas" pitchFamily="49" charset="0"/>
+              </a:rPr>
+              <a:t>end_x</a:t>
+            </a:r>
+            <a:endParaRPr kumimoji="1" lang="ja-JP" altLang="en-US" sz="1200">
+              <a:latin typeface="Nyala" pitchFamily="2" charset="0"/>
+              <a:cs typeface="Consolas" pitchFamily="49" charset="0"/>
+            </a:endParaRPr>
+          </a:p>
+        </p:txBody>
+      </p:sp>
+      <p:sp>
+        <p:nvSpPr>
+          <p:cNvPr id="82" name="角丸四角形 81"/>
+          <p:cNvSpPr/>
+          <p:nvPr/>
+        </p:nvSpPr>
+        <p:spPr>
+          <a:xfrm>
+            <a:off x="2483768" y="1268760"/>
+            <a:ext cx="576064" cy="216024"/>
+          </a:xfrm>
+          <a:prstGeom prst="roundRect">
+            <a:avLst/>
+          </a:prstGeom>
+        </p:spPr>
+        <p:style>
+          <a:lnRef idx="1">
+            <a:schemeClr val="accent4"/>
+          </a:lnRef>
+          <a:fillRef idx="3">
+            <a:schemeClr val="accent4"/>
+          </a:fillRef>
+          <a:effectRef idx="2">
+            <a:schemeClr val="accent4"/>
+          </a:effectRef>
+          <a:fontRef idx="minor">
+            <a:schemeClr val="lt1"/>
+          </a:fontRef>
+        </p:style>
+        <p:txBody>
+          <a:bodyPr rtlCol="0" anchor="ctr"/>
+          <a:lstStyle/>
+          <a:p>
+            <a:pPr algn="ctr"/>
+            <a:r>
+              <a:rPr lang="en-US" altLang="ja-JP" sz="1200" smtClean="0">
+                <a:latin typeface="Nyala" pitchFamily="2" charset="0"/>
+                <a:cs typeface="Consolas" pitchFamily="49" charset="0"/>
+              </a:rPr>
+              <a:t>end</a:t>
+            </a:r>
+            <a:r>
+              <a:rPr kumimoji="1" lang="en-US" altLang="ja-JP" sz="1200" smtClean="0">
+                <a:latin typeface="Nyala" pitchFamily="2" charset="0"/>
+                <a:cs typeface="Consolas" pitchFamily="49" charset="0"/>
+              </a:rPr>
+              <a:t>_y</a:t>
+            </a:r>
+            <a:endParaRPr kumimoji="1" lang="ja-JP" altLang="en-US" sz="1200">
+              <a:latin typeface="Nyala" pitchFamily="2" charset="0"/>
+              <a:cs typeface="Consolas" pitchFamily="49" charset="0"/>
+            </a:endParaRPr>
+          </a:p>
+        </p:txBody>
+      </p:sp>
+      <p:sp>
+        <p:nvSpPr>
+          <p:cNvPr id="87" name="角丸四角形 86"/>
+          <p:cNvSpPr/>
+          <p:nvPr/>
+        </p:nvSpPr>
+        <p:spPr>
+          <a:xfrm>
+            <a:off x="3851920" y="3429000"/>
+            <a:ext cx="432048" cy="216024"/>
+          </a:xfrm>
+          <a:prstGeom prst="roundRect">
+            <a:avLst/>
+          </a:prstGeom>
+        </p:spPr>
+        <p:style>
+          <a:lnRef idx="1">
+            <a:schemeClr val="accent4"/>
+          </a:lnRef>
+          <a:fillRef idx="3">
+            <a:schemeClr val="accent4"/>
+          </a:fillRef>
+          <a:effectRef idx="2">
+            <a:schemeClr val="accent4"/>
+          </a:effectRef>
+          <a:fontRef idx="minor">
+            <a:schemeClr val="lt1"/>
+          </a:fontRef>
+        </p:style>
+        <p:txBody>
+          <a:bodyPr rtlCol="0" anchor="ctr"/>
+          <a:lstStyle/>
+          <a:p>
+            <a:pPr algn="ctr"/>
+            <a:r>
+              <a:rPr lang="en-US" altLang="ja-JP" sz="1200" smtClean="0">
+                <a:latin typeface="Nyala" pitchFamily="2" charset="0"/>
+                <a:cs typeface="Consolas" pitchFamily="49" charset="0"/>
+              </a:rPr>
+              <a:t>unit</a:t>
+            </a:r>
+            <a:endParaRPr kumimoji="1" lang="ja-JP" altLang="en-US" sz="1200">
+              <a:latin typeface="Nyala" pitchFamily="2" charset="0"/>
+              <a:cs typeface="Consolas" pitchFamily="49" charset="0"/>
+            </a:endParaRPr>
+          </a:p>
+        </p:txBody>
+      </p:sp>
+      <p:sp>
+        <p:nvSpPr>
+          <p:cNvPr id="88" name="角丸四角形 87"/>
+          <p:cNvSpPr/>
+          <p:nvPr/>
+        </p:nvSpPr>
+        <p:spPr>
+          <a:xfrm>
+            <a:off x="4355976" y="3429000"/>
+            <a:ext cx="648072" cy="216024"/>
+          </a:xfrm>
+          <a:prstGeom prst="roundRect">
+            <a:avLst/>
+          </a:prstGeom>
+        </p:spPr>
+        <p:style>
+          <a:lnRef idx="1">
+            <a:schemeClr val="accent2"/>
+          </a:lnRef>
+          <a:fillRef idx="3">
+            <a:schemeClr val="accent2"/>
+          </a:fillRef>
+          <a:effectRef idx="2">
+            <a:schemeClr val="accent2"/>
+          </a:effectRef>
+          <a:fontRef idx="minor">
+            <a:schemeClr val="lt1"/>
+          </a:fontRef>
+        </p:style>
+        <p:txBody>
+          <a:bodyPr rtlCol="0" anchor="ctr"/>
+          <a:lstStyle/>
+          <a:p>
+            <a:pPr algn="ctr"/>
+            <a:r>
+              <a:rPr lang="en-US" altLang="ja-JP" sz="1200" smtClean="0">
+                <a:latin typeface="Nyala" pitchFamily="2" charset="0"/>
+                <a:cs typeface="Consolas" pitchFamily="49" charset="0"/>
+              </a:rPr>
+              <a:t>convert</a:t>
+            </a:r>
+            <a:endParaRPr kumimoji="1" lang="ja-JP" altLang="en-US" sz="1200">
+              <a:latin typeface="Nyala" pitchFamily="2" charset="0"/>
+              <a:cs typeface="Consolas" pitchFamily="49" charset="0"/>
+            </a:endParaRPr>
+          </a:p>
+        </p:txBody>
+      </p:sp>
+      <p:sp>
+        <p:nvSpPr>
+          <p:cNvPr id="92" name="角丸四角形 91"/>
+          <p:cNvSpPr/>
+          <p:nvPr/>
+        </p:nvSpPr>
+        <p:spPr>
+          <a:xfrm>
+            <a:off x="3059832" y="3429000"/>
+            <a:ext cx="720080" cy="216024"/>
+          </a:xfrm>
+          <a:prstGeom prst="roundRect">
+            <a:avLst/>
+          </a:prstGeom>
+        </p:spPr>
+        <p:style>
+          <a:lnRef idx="1">
+            <a:schemeClr val="accent6"/>
+          </a:lnRef>
+          <a:fillRef idx="3">
+            <a:schemeClr val="accent6"/>
+          </a:fillRef>
+          <a:effectRef idx="2">
+            <a:schemeClr val="accent6"/>
+          </a:effectRef>
+          <a:fontRef idx="minor">
+            <a:schemeClr val="lt1"/>
+          </a:fontRef>
+        </p:style>
+        <p:txBody>
+          <a:bodyPr rtlCol="0" anchor="ctr"/>
+          <a:lstStyle/>
+          <a:p>
+            <a:pPr algn="ctr"/>
+            <a:r>
+              <a:rPr lang="en-US" altLang="ja-JP" sz="1200" smtClean="0">
+                <a:latin typeface="Nyala" pitchFamily="2" charset="0"/>
+                <a:cs typeface="Consolas" pitchFamily="49" charset="0"/>
+              </a:rPr>
+              <a:t>text_type</a:t>
+            </a:r>
+          </a:p>
+        </p:txBody>
+      </p:sp>
+      <p:sp>
+        <p:nvSpPr>
+          <p:cNvPr id="93" name="角丸四角形 92"/>
+          <p:cNvSpPr/>
+          <p:nvPr/>
+        </p:nvSpPr>
+        <p:spPr>
+          <a:xfrm>
+            <a:off x="5580112" y="3429000"/>
+            <a:ext cx="504056" cy="216024"/>
+          </a:xfrm>
+          <a:prstGeom prst="roundRect">
+            <a:avLst/>
+          </a:prstGeom>
+        </p:spPr>
+        <p:style>
+          <a:lnRef idx="1">
+            <a:schemeClr val="accent2"/>
+          </a:lnRef>
+          <a:fillRef idx="3">
+            <a:schemeClr val="accent2"/>
+          </a:fillRef>
+          <a:effectRef idx="2">
+            <a:schemeClr val="accent2"/>
+          </a:effectRef>
+          <a:fontRef idx="minor">
+            <a:schemeClr val="lt1"/>
+          </a:fontRef>
+        </p:style>
+        <p:txBody>
+          <a:bodyPr rtlCol="0" anchor="ctr"/>
+          <a:lstStyle/>
+          <a:p>
+            <a:pPr algn="ctr"/>
+            <a:r>
+              <a:rPr lang="en-US" altLang="ja-JP" sz="1200" smtClean="0">
+                <a:latin typeface="Nyala" pitchFamily="2" charset="0"/>
+                <a:cs typeface="Consolas" pitchFamily="49" charset="0"/>
+              </a:rPr>
+              <a:t>italic</a:t>
+            </a:r>
+            <a:endParaRPr kumimoji="1" lang="ja-JP" altLang="en-US" sz="1200">
+              <a:latin typeface="Nyala" pitchFamily="2" charset="0"/>
+              <a:cs typeface="Consolas" pitchFamily="49" charset="0"/>
+            </a:endParaRPr>
+          </a:p>
+        </p:txBody>
+      </p:sp>
+      <p:sp>
+        <p:nvSpPr>
+          <p:cNvPr id="94" name="角丸四角形 93"/>
+          <p:cNvSpPr/>
+          <p:nvPr/>
+        </p:nvSpPr>
+        <p:spPr>
+          <a:xfrm>
+            <a:off x="6156176" y="3429000"/>
+            <a:ext cx="504056" cy="216024"/>
+          </a:xfrm>
+          <a:prstGeom prst="roundRect">
+            <a:avLst/>
+          </a:prstGeom>
+        </p:spPr>
+        <p:style>
+          <a:lnRef idx="1">
+            <a:schemeClr val="accent2"/>
+          </a:lnRef>
+          <a:fillRef idx="3">
+            <a:schemeClr val="accent2"/>
+          </a:fillRef>
+          <a:effectRef idx="2">
+            <a:schemeClr val="accent2"/>
+          </a:effectRef>
+          <a:fontRef idx="minor">
+            <a:schemeClr val="lt1"/>
+          </a:fontRef>
+        </p:style>
+        <p:txBody>
+          <a:bodyPr rtlCol="0" anchor="ctr"/>
+          <a:lstStyle/>
+          <a:p>
+            <a:pPr algn="ctr"/>
+            <a:r>
+              <a:rPr lang="en-US" altLang="ja-JP" sz="1200" smtClean="0">
+                <a:latin typeface="Nyala" pitchFamily="2" charset="0"/>
+                <a:cs typeface="Consolas" pitchFamily="49" charset="0"/>
+              </a:rPr>
+              <a:t>b</a:t>
+            </a:r>
+            <a:r>
+              <a:rPr kumimoji="1" lang="en-US" altLang="ja-JP" sz="1200" smtClean="0">
+                <a:latin typeface="Nyala" pitchFamily="2" charset="0"/>
+                <a:cs typeface="Consolas" pitchFamily="49" charset="0"/>
+              </a:rPr>
+              <a:t>old</a:t>
+            </a:r>
+            <a:endParaRPr kumimoji="1" lang="ja-JP" altLang="en-US" sz="1200">
+              <a:latin typeface="Nyala" pitchFamily="2" charset="0"/>
+              <a:cs typeface="Consolas" pitchFamily="49" charset="0"/>
+            </a:endParaRPr>
+          </a:p>
+        </p:txBody>
+      </p:sp>
+      <p:sp>
+        <p:nvSpPr>
+          <p:cNvPr id="95" name="角丸四角形 94"/>
+          <p:cNvSpPr/>
+          <p:nvPr/>
+        </p:nvSpPr>
+        <p:spPr>
+          <a:xfrm>
+            <a:off x="6732240" y="3429000"/>
+            <a:ext cx="648072" cy="216024"/>
+          </a:xfrm>
+          <a:prstGeom prst="roundRect">
+            <a:avLst/>
+          </a:prstGeom>
+        </p:spPr>
+        <p:style>
+          <a:lnRef idx="1">
+            <a:schemeClr val="accent2"/>
+          </a:lnRef>
+          <a:fillRef idx="3">
+            <a:schemeClr val="accent2"/>
+          </a:fillRef>
+          <a:effectRef idx="2">
+            <a:schemeClr val="accent2"/>
+          </a:effectRef>
+          <a:fontRef idx="minor">
+            <a:schemeClr val="lt1"/>
+          </a:fontRef>
+        </p:style>
+        <p:txBody>
+          <a:bodyPr rtlCol="0" anchor="ctr"/>
+          <a:lstStyle/>
+          <a:p>
+            <a:pPr algn="ctr"/>
+            <a:r>
+              <a:rPr lang="en-US" altLang="ja-JP" sz="1200" smtClean="0">
+                <a:latin typeface="Nyala" pitchFamily="2" charset="0"/>
+                <a:cs typeface="Consolas" pitchFamily="49" charset="0"/>
+              </a:rPr>
+              <a:t>h_align</a:t>
+            </a:r>
+            <a:endParaRPr kumimoji="1" lang="ja-JP" altLang="en-US" sz="1200">
+              <a:latin typeface="Nyala" pitchFamily="2" charset="0"/>
+              <a:cs typeface="Consolas" pitchFamily="49" charset="0"/>
+            </a:endParaRPr>
+          </a:p>
+        </p:txBody>
+      </p:sp>
+      <p:sp>
+        <p:nvSpPr>
+          <p:cNvPr id="96" name="角丸四角形 95"/>
+          <p:cNvSpPr/>
+          <p:nvPr/>
+        </p:nvSpPr>
+        <p:spPr>
+          <a:xfrm>
+            <a:off x="7452320" y="3429000"/>
+            <a:ext cx="648580" cy="216024"/>
+          </a:xfrm>
+          <a:prstGeom prst="roundRect">
+            <a:avLst/>
+          </a:prstGeom>
+        </p:spPr>
+        <p:style>
+          <a:lnRef idx="1">
+            <a:schemeClr val="accent2"/>
+          </a:lnRef>
+          <a:fillRef idx="3">
+            <a:schemeClr val="accent2"/>
+          </a:fillRef>
+          <a:effectRef idx="2">
+            <a:schemeClr val="accent2"/>
+          </a:effectRef>
+          <a:fontRef idx="minor">
+            <a:schemeClr val="lt1"/>
+          </a:fontRef>
+        </p:style>
+        <p:txBody>
+          <a:bodyPr rtlCol="0" anchor="ctr"/>
+          <a:lstStyle/>
+          <a:p>
+            <a:pPr algn="ctr"/>
+            <a:r>
+              <a:rPr lang="en-US" altLang="ja-JP" sz="1200" smtClean="0">
+                <a:latin typeface="Nyala" pitchFamily="2" charset="0"/>
+                <a:cs typeface="Consolas" pitchFamily="49" charset="0"/>
+              </a:rPr>
+              <a:t>v_align</a:t>
+            </a:r>
+            <a:endParaRPr kumimoji="1" lang="ja-JP" altLang="en-US" sz="1200">
+              <a:latin typeface="Nyala" pitchFamily="2" charset="0"/>
+              <a:cs typeface="Consolas" pitchFamily="49" charset="0"/>
+            </a:endParaRPr>
+          </a:p>
+        </p:txBody>
+      </p:sp>
+      <p:sp>
+        <p:nvSpPr>
+          <p:cNvPr id="98" name="角丸四角形 97"/>
+          <p:cNvSpPr/>
+          <p:nvPr/>
+        </p:nvSpPr>
+        <p:spPr>
+          <a:xfrm>
+            <a:off x="6156176" y="4149080"/>
+            <a:ext cx="432048" cy="216024"/>
+          </a:xfrm>
+          <a:prstGeom prst="roundRect">
+            <a:avLst/>
+          </a:prstGeom>
+        </p:spPr>
+        <p:style>
+          <a:lnRef idx="1">
+            <a:schemeClr val="accent4"/>
+          </a:lnRef>
+          <a:fillRef idx="3">
+            <a:schemeClr val="accent4"/>
+          </a:fillRef>
+          <a:effectRef idx="2">
+            <a:schemeClr val="accent4"/>
+          </a:effectRef>
+          <a:fontRef idx="minor">
+            <a:schemeClr val="lt1"/>
+          </a:fontRef>
+        </p:style>
+        <p:txBody>
+          <a:bodyPr rtlCol="0" anchor="ctr"/>
+          <a:lstStyle/>
+          <a:p>
+            <a:pPr algn="ctr"/>
+            <a:r>
+              <a:rPr lang="en-US" altLang="ja-JP" sz="1200" smtClean="0">
+                <a:latin typeface="Nyala" pitchFamily="2" charset="0"/>
+                <a:cs typeface="Consolas" pitchFamily="49" charset="0"/>
+              </a:rPr>
+              <a:t>unit</a:t>
+            </a:r>
+            <a:endParaRPr kumimoji="1" lang="ja-JP" altLang="en-US" sz="1200">
+              <a:latin typeface="Nyala" pitchFamily="2" charset="0"/>
+              <a:cs typeface="Consolas" pitchFamily="49" charset="0"/>
+            </a:endParaRPr>
+          </a:p>
+        </p:txBody>
+      </p:sp>
+      <p:sp>
+        <p:nvSpPr>
+          <p:cNvPr id="99" name="角丸四角形 98"/>
+          <p:cNvSpPr/>
+          <p:nvPr/>
+        </p:nvSpPr>
+        <p:spPr>
+          <a:xfrm>
+            <a:off x="6660232" y="4149080"/>
+            <a:ext cx="648072" cy="216024"/>
+          </a:xfrm>
+          <a:prstGeom prst="roundRect">
+            <a:avLst/>
+          </a:prstGeom>
+        </p:spPr>
+        <p:style>
+          <a:lnRef idx="1">
+            <a:schemeClr val="accent2"/>
+          </a:lnRef>
+          <a:fillRef idx="3">
+            <a:schemeClr val="accent2"/>
+          </a:fillRef>
+          <a:effectRef idx="2">
+            <a:schemeClr val="accent2"/>
+          </a:effectRef>
+          <a:fontRef idx="minor">
+            <a:schemeClr val="lt1"/>
+          </a:fontRef>
+        </p:style>
+        <p:txBody>
+          <a:bodyPr rtlCol="0" anchor="ctr"/>
+          <a:lstStyle/>
+          <a:p>
+            <a:pPr algn="ctr"/>
+            <a:r>
+              <a:rPr lang="en-US" altLang="ja-JP" sz="1200" smtClean="0">
+                <a:latin typeface="Nyala" pitchFamily="2" charset="0"/>
+                <a:cs typeface="Consolas" pitchFamily="49" charset="0"/>
+              </a:rPr>
+              <a:t>convert</a:t>
+            </a:r>
+            <a:endParaRPr kumimoji="1" lang="ja-JP" altLang="en-US" sz="1200">
+              <a:latin typeface="Nyala" pitchFamily="2" charset="0"/>
+              <a:cs typeface="Consolas" pitchFamily="49" charset="0"/>
+            </a:endParaRPr>
+          </a:p>
+        </p:txBody>
+      </p:sp>
+      <p:sp>
+        <p:nvSpPr>
+          <p:cNvPr id="100" name="角丸四角形 99"/>
+          <p:cNvSpPr/>
+          <p:nvPr/>
+        </p:nvSpPr>
+        <p:spPr>
+          <a:xfrm>
+            <a:off x="2627784" y="1988840"/>
+            <a:ext cx="720080" cy="216024"/>
+          </a:xfrm>
+          <a:prstGeom prst="roundRect">
+            <a:avLst/>
+          </a:prstGeom>
+        </p:spPr>
+        <p:style>
+          <a:lnRef idx="1">
+            <a:schemeClr val="accent4"/>
+          </a:lnRef>
+          <a:fillRef idx="3">
+            <a:schemeClr val="accent4"/>
+          </a:fillRef>
+          <a:effectRef idx="2">
+            <a:schemeClr val="accent4"/>
+          </a:effectRef>
+          <a:fontRef idx="minor">
+            <a:schemeClr val="lt1"/>
+          </a:fontRef>
+        </p:style>
+        <p:txBody>
+          <a:bodyPr rtlCol="0" anchor="ctr"/>
+          <a:lstStyle/>
+          <a:p>
+            <a:pPr algn="ctr"/>
+            <a:r>
+              <a:rPr lang="en-US" altLang="ja-JP" sz="1200" smtClean="0">
+                <a:latin typeface="Nyala" pitchFamily="2" charset="0"/>
+                <a:cs typeface="Consolas" pitchFamily="49" charset="0"/>
+              </a:rPr>
+              <a:t>thickness</a:t>
+            </a:r>
+            <a:endParaRPr kumimoji="1" lang="ja-JP" altLang="en-US" sz="1200">
+              <a:latin typeface="Nyala" pitchFamily="2" charset="0"/>
+              <a:cs typeface="Consolas" pitchFamily="49" charset="0"/>
+            </a:endParaRPr>
+          </a:p>
+        </p:txBody>
+      </p:sp>
+      <p:sp>
+        <p:nvSpPr>
+          <p:cNvPr id="101" name="角丸四角形 100"/>
+          <p:cNvSpPr/>
+          <p:nvPr/>
+        </p:nvSpPr>
+        <p:spPr>
+          <a:xfrm>
+            <a:off x="1403648" y="1988840"/>
+            <a:ext cx="432048" cy="216024"/>
+          </a:xfrm>
+          <a:prstGeom prst="roundRect">
+            <a:avLst/>
+          </a:prstGeom>
+        </p:spPr>
+        <p:style>
+          <a:lnRef idx="1">
+            <a:schemeClr val="accent4"/>
+          </a:lnRef>
+          <a:fillRef idx="3">
+            <a:schemeClr val="accent4"/>
+          </a:fillRef>
+          <a:effectRef idx="2">
+            <a:schemeClr val="accent4"/>
+          </a:effectRef>
+          <a:fontRef idx="minor">
+            <a:schemeClr val="lt1"/>
+          </a:fontRef>
+        </p:style>
+        <p:txBody>
+          <a:bodyPr rtlCol="0" anchor="ctr"/>
+          <a:lstStyle/>
+          <a:p>
+            <a:pPr algn="ctr"/>
+            <a:r>
+              <a:rPr lang="en-US" altLang="ja-JP" sz="1200" smtClean="0">
+                <a:latin typeface="Nyala" pitchFamily="2" charset="0"/>
+                <a:cs typeface="Consolas" pitchFamily="49" charset="0"/>
+              </a:rPr>
+              <a:t>unit</a:t>
+            </a:r>
+            <a:endParaRPr kumimoji="1" lang="ja-JP" altLang="en-US" sz="1200">
+              <a:latin typeface="Nyala" pitchFamily="2" charset="0"/>
+              <a:cs typeface="Consolas" pitchFamily="49" charset="0"/>
+            </a:endParaRPr>
+          </a:p>
+        </p:txBody>
+      </p:sp>
+      <p:sp>
+        <p:nvSpPr>
+          <p:cNvPr id="102" name="角丸四角形 101"/>
+          <p:cNvSpPr/>
+          <p:nvPr/>
+        </p:nvSpPr>
+        <p:spPr>
+          <a:xfrm>
+            <a:off x="1907704" y="1988840"/>
+            <a:ext cx="648072" cy="216024"/>
+          </a:xfrm>
+          <a:prstGeom prst="roundRect">
+            <a:avLst/>
+          </a:prstGeom>
+        </p:spPr>
+        <p:style>
+          <a:lnRef idx="1">
+            <a:schemeClr val="accent2"/>
+          </a:lnRef>
+          <a:fillRef idx="3">
+            <a:schemeClr val="accent2"/>
+          </a:fillRef>
+          <a:effectRef idx="2">
+            <a:schemeClr val="accent2"/>
+          </a:effectRef>
+          <a:fontRef idx="minor">
+            <a:schemeClr val="lt1"/>
+          </a:fontRef>
+        </p:style>
+        <p:txBody>
+          <a:bodyPr rtlCol="0" anchor="ctr"/>
+          <a:lstStyle/>
+          <a:p>
+            <a:pPr algn="ctr"/>
+            <a:r>
+              <a:rPr lang="en-US" altLang="ja-JP" sz="1200" smtClean="0">
+                <a:latin typeface="Nyala" pitchFamily="2" charset="0"/>
+                <a:cs typeface="Consolas" pitchFamily="49" charset="0"/>
+              </a:rPr>
+              <a:t>convert</a:t>
+            </a:r>
+            <a:endParaRPr kumimoji="1" lang="ja-JP" altLang="en-US" sz="1200">
+              <a:latin typeface="Nyala" pitchFamily="2" charset="0"/>
+              <a:cs typeface="Consolas" pitchFamily="49" charset="0"/>
+            </a:endParaRPr>
+          </a:p>
+        </p:txBody>
+      </p:sp>
+      <p:sp>
+        <p:nvSpPr>
+          <p:cNvPr id="103" name="角丸四角形 102"/>
+          <p:cNvSpPr/>
+          <p:nvPr/>
+        </p:nvSpPr>
+        <p:spPr>
+          <a:xfrm>
+            <a:off x="3419872" y="1988840"/>
+            <a:ext cx="360040" cy="216024"/>
+          </a:xfrm>
+          <a:prstGeom prst="roundRect">
+            <a:avLst/>
+          </a:prstGeom>
+        </p:spPr>
+        <p:style>
+          <a:lnRef idx="1">
+            <a:schemeClr val="accent2"/>
+          </a:lnRef>
+          <a:fillRef idx="3">
+            <a:schemeClr val="accent2"/>
+          </a:fillRef>
+          <a:effectRef idx="2">
+            <a:schemeClr val="accent2"/>
+          </a:effectRef>
+          <a:fontRef idx="minor">
+            <a:schemeClr val="lt1"/>
+          </a:fontRef>
+        </p:style>
+        <p:txBody>
+          <a:bodyPr rtlCol="0" anchor="ctr"/>
+          <a:lstStyle/>
+          <a:p>
+            <a:pPr algn="ctr"/>
+            <a:r>
+              <a:rPr lang="en-US" altLang="ja-JP" sz="1200" smtClean="0">
+                <a:latin typeface="Nyala" pitchFamily="2" charset="0"/>
+                <a:cs typeface="Consolas" pitchFamily="49" charset="0"/>
+              </a:rPr>
+              <a:t>fill</a:t>
+            </a:r>
+            <a:endParaRPr kumimoji="1" lang="ja-JP" altLang="en-US" sz="1200">
+              <a:latin typeface="Nyala" pitchFamily="2" charset="0"/>
+              <a:cs typeface="Consolas" pitchFamily="49" charset="0"/>
+            </a:endParaRPr>
+          </a:p>
+        </p:txBody>
+      </p:sp>
+      <p:sp>
+        <p:nvSpPr>
+          <p:cNvPr id="106" name="角丸四角形 105"/>
+          <p:cNvSpPr/>
+          <p:nvPr/>
+        </p:nvSpPr>
+        <p:spPr>
+          <a:xfrm>
+            <a:off x="3131840" y="1268760"/>
+            <a:ext cx="432048" cy="216024"/>
+          </a:xfrm>
+          <a:prstGeom prst="roundRect">
+            <a:avLst/>
+          </a:prstGeom>
+        </p:spPr>
+        <p:style>
+          <a:lnRef idx="1">
+            <a:schemeClr val="accent4"/>
+          </a:lnRef>
+          <a:fillRef idx="3">
+            <a:schemeClr val="accent4"/>
+          </a:fillRef>
+          <a:effectRef idx="2">
+            <a:schemeClr val="accent4"/>
+          </a:effectRef>
+          <a:fontRef idx="minor">
+            <a:schemeClr val="lt1"/>
+          </a:fontRef>
+        </p:style>
+        <p:txBody>
+          <a:bodyPr rtlCol="0" anchor="ctr"/>
+          <a:lstStyle/>
+          <a:p>
+            <a:pPr algn="ctr"/>
+            <a:r>
+              <a:rPr lang="en-US" altLang="ja-JP" sz="1200" smtClean="0">
+                <a:latin typeface="Nyala" pitchFamily="2" charset="0"/>
+                <a:cs typeface="Consolas" pitchFamily="49" charset="0"/>
+              </a:rPr>
+              <a:t>unit</a:t>
+            </a:r>
+            <a:endParaRPr kumimoji="1" lang="ja-JP" altLang="en-US" sz="1200">
+              <a:latin typeface="Nyala" pitchFamily="2" charset="0"/>
+              <a:cs typeface="Consolas" pitchFamily="49" charset="0"/>
+            </a:endParaRPr>
+          </a:p>
+        </p:txBody>
+      </p:sp>
+      <p:sp>
+        <p:nvSpPr>
+          <p:cNvPr id="83" name="角丸四角形 82"/>
+          <p:cNvSpPr/>
+          <p:nvPr/>
+        </p:nvSpPr>
+        <p:spPr>
+          <a:xfrm>
+            <a:off x="2699792" y="548680"/>
+            <a:ext cx="720080" cy="216024"/>
+          </a:xfrm>
+          <a:prstGeom prst="roundRect">
+            <a:avLst/>
+          </a:prstGeom>
+        </p:spPr>
+        <p:style>
+          <a:lnRef idx="1">
+            <a:schemeClr val="accent4"/>
+          </a:lnRef>
+          <a:fillRef idx="3">
+            <a:schemeClr val="accent4"/>
+          </a:fillRef>
+          <a:effectRef idx="2">
+            <a:schemeClr val="accent4"/>
+          </a:effectRef>
+          <a:fontRef idx="minor">
+            <a:schemeClr val="lt1"/>
+          </a:fontRef>
+        </p:style>
+        <p:txBody>
+          <a:bodyPr rtlCol="0" anchor="ctr"/>
+          <a:lstStyle/>
+          <a:p>
+            <a:pPr algn="ctr"/>
+            <a:r>
+              <a:rPr lang="en-US" altLang="ja-JP" sz="1200" smtClean="0">
+                <a:latin typeface="Nyala" pitchFamily="2" charset="0"/>
+                <a:cs typeface="Consolas" pitchFamily="49" charset="0"/>
+              </a:rPr>
+              <a:t>thickness</a:t>
+            </a:r>
+            <a:endParaRPr kumimoji="1" lang="ja-JP" altLang="en-US" sz="1200">
+              <a:latin typeface="Nyala" pitchFamily="2" charset="0"/>
+              <a:cs typeface="Consolas" pitchFamily="49" charset="0"/>
+            </a:endParaRPr>
+          </a:p>
+        </p:txBody>
+      </p:sp>
+      <p:sp>
+        <p:nvSpPr>
+          <p:cNvPr id="84" name="角丸四角形 83"/>
+          <p:cNvSpPr/>
+          <p:nvPr/>
+        </p:nvSpPr>
+        <p:spPr>
+          <a:xfrm>
+            <a:off x="1475656" y="548680"/>
+            <a:ext cx="432048" cy="216024"/>
+          </a:xfrm>
+          <a:prstGeom prst="roundRect">
+            <a:avLst/>
+          </a:prstGeom>
+        </p:spPr>
+        <p:style>
+          <a:lnRef idx="1">
+            <a:schemeClr val="accent4"/>
+          </a:lnRef>
+          <a:fillRef idx="3">
+            <a:schemeClr val="accent4"/>
+          </a:fillRef>
+          <a:effectRef idx="2">
+            <a:schemeClr val="accent4"/>
+          </a:effectRef>
+          <a:fontRef idx="minor">
+            <a:schemeClr val="lt1"/>
+          </a:fontRef>
+        </p:style>
+        <p:txBody>
+          <a:bodyPr rtlCol="0" anchor="ctr"/>
+          <a:lstStyle/>
+          <a:p>
+            <a:pPr algn="ctr"/>
+            <a:r>
+              <a:rPr lang="en-US" altLang="ja-JP" sz="1200" smtClean="0">
+                <a:latin typeface="Nyala" pitchFamily="2" charset="0"/>
+                <a:cs typeface="Consolas" pitchFamily="49" charset="0"/>
+              </a:rPr>
+              <a:t>unit</a:t>
+            </a:r>
+            <a:endParaRPr kumimoji="1" lang="ja-JP" altLang="en-US" sz="1200">
+              <a:latin typeface="Nyala" pitchFamily="2" charset="0"/>
+              <a:cs typeface="Consolas" pitchFamily="49" charset="0"/>
+            </a:endParaRPr>
+          </a:p>
+        </p:txBody>
+      </p:sp>
+      <p:sp>
+        <p:nvSpPr>
+          <p:cNvPr id="85" name="角丸四角形 84"/>
+          <p:cNvSpPr/>
+          <p:nvPr/>
+        </p:nvSpPr>
+        <p:spPr>
+          <a:xfrm>
+            <a:off x="1979712" y="548680"/>
+            <a:ext cx="648072" cy="216024"/>
+          </a:xfrm>
+          <a:prstGeom prst="roundRect">
+            <a:avLst/>
+          </a:prstGeom>
+        </p:spPr>
+        <p:style>
+          <a:lnRef idx="1">
+            <a:schemeClr val="accent2"/>
+          </a:lnRef>
+          <a:fillRef idx="3">
+            <a:schemeClr val="accent2"/>
+          </a:fillRef>
+          <a:effectRef idx="2">
+            <a:schemeClr val="accent2"/>
+          </a:effectRef>
+          <a:fontRef idx="minor">
+            <a:schemeClr val="lt1"/>
+          </a:fontRef>
+        </p:style>
+        <p:txBody>
+          <a:bodyPr rtlCol="0" anchor="ctr"/>
+          <a:lstStyle/>
+          <a:p>
+            <a:pPr algn="ctr"/>
+            <a:r>
+              <a:rPr lang="en-US" altLang="ja-JP" sz="1200" smtClean="0">
+                <a:latin typeface="Nyala" pitchFamily="2" charset="0"/>
+                <a:cs typeface="Consolas" pitchFamily="49" charset="0"/>
+              </a:rPr>
+              <a:t>convert</a:t>
+            </a:r>
+            <a:endParaRPr kumimoji="1" lang="ja-JP" altLang="en-US" sz="1200">
+              <a:latin typeface="Nyala" pitchFamily="2" charset="0"/>
+              <a:cs typeface="Consolas" pitchFamily="49" charset="0"/>
+            </a:endParaRPr>
+          </a:p>
+        </p:txBody>
+      </p:sp>
+      <p:sp>
+        <p:nvSpPr>
+          <p:cNvPr id="97" name="角丸四角形 96"/>
+          <p:cNvSpPr/>
+          <p:nvPr/>
+        </p:nvSpPr>
+        <p:spPr>
+          <a:xfrm>
+            <a:off x="4355976" y="1268760"/>
+            <a:ext cx="720080" cy="216024"/>
+          </a:xfrm>
+          <a:prstGeom prst="roundRect">
+            <a:avLst/>
+          </a:prstGeom>
+        </p:spPr>
+        <p:style>
+          <a:lnRef idx="1">
+            <a:schemeClr val="accent4"/>
+          </a:lnRef>
+          <a:fillRef idx="3">
+            <a:schemeClr val="accent4"/>
+          </a:fillRef>
+          <a:effectRef idx="2">
+            <a:schemeClr val="accent4"/>
+          </a:effectRef>
+          <a:fontRef idx="minor">
+            <a:schemeClr val="lt1"/>
+          </a:fontRef>
+        </p:style>
+        <p:txBody>
+          <a:bodyPr rtlCol="0" anchor="ctr"/>
+          <a:lstStyle/>
+          <a:p>
+            <a:pPr algn="ctr"/>
+            <a:r>
+              <a:rPr lang="en-US" altLang="ja-JP" sz="1200" smtClean="0">
+                <a:latin typeface="Nyala" pitchFamily="2" charset="0"/>
+                <a:cs typeface="Consolas" pitchFamily="49" charset="0"/>
+              </a:rPr>
+              <a:t>thickness</a:t>
+            </a:r>
+            <a:endParaRPr kumimoji="1" lang="ja-JP" altLang="en-US" sz="1200">
+              <a:latin typeface="Nyala" pitchFamily="2" charset="0"/>
+              <a:cs typeface="Consolas" pitchFamily="49" charset="0"/>
+            </a:endParaRPr>
+          </a:p>
+        </p:txBody>
+      </p:sp>
+      <p:sp>
+        <p:nvSpPr>
+          <p:cNvPr id="104" name="角丸四角形 103"/>
+          <p:cNvSpPr/>
+          <p:nvPr/>
+        </p:nvSpPr>
+        <p:spPr>
+          <a:xfrm>
+            <a:off x="3635896" y="1268760"/>
+            <a:ext cx="648072" cy="216024"/>
+          </a:xfrm>
+          <a:prstGeom prst="roundRect">
+            <a:avLst/>
+          </a:prstGeom>
+        </p:spPr>
+        <p:style>
+          <a:lnRef idx="1">
+            <a:schemeClr val="accent2"/>
+          </a:lnRef>
+          <a:fillRef idx="3">
+            <a:schemeClr val="accent2"/>
+          </a:fillRef>
+          <a:effectRef idx="2">
+            <a:schemeClr val="accent2"/>
+          </a:effectRef>
+          <a:fontRef idx="minor">
+            <a:schemeClr val="lt1"/>
+          </a:fontRef>
+        </p:style>
+        <p:txBody>
+          <a:bodyPr rtlCol="0" anchor="ctr"/>
+          <a:lstStyle/>
+          <a:p>
+            <a:pPr algn="ctr"/>
+            <a:r>
+              <a:rPr lang="en-US" altLang="ja-JP" sz="1200" smtClean="0">
+                <a:latin typeface="Nyala" pitchFamily="2" charset="0"/>
+                <a:cs typeface="Consolas" pitchFamily="49" charset="0"/>
+              </a:rPr>
+              <a:t>convert</a:t>
+            </a:r>
+            <a:endParaRPr kumimoji="1" lang="ja-JP" altLang="en-US" sz="1200">
+              <a:latin typeface="Nyala" pitchFamily="2" charset="0"/>
+              <a:cs typeface="Consolas" pitchFamily="49" charset="0"/>
+            </a:endParaRPr>
+          </a:p>
+        </p:txBody>
+      </p:sp>
+      <p:sp>
+        <p:nvSpPr>
+          <p:cNvPr id="109" name="角丸四角形 108"/>
+          <p:cNvSpPr/>
+          <p:nvPr/>
+        </p:nvSpPr>
+        <p:spPr>
+          <a:xfrm>
+            <a:off x="5148064" y="1268760"/>
+            <a:ext cx="360040" cy="216024"/>
+          </a:xfrm>
+          <a:prstGeom prst="roundRect">
+            <a:avLst/>
+          </a:prstGeom>
+        </p:spPr>
+        <p:style>
+          <a:lnRef idx="1">
+            <a:schemeClr val="accent2"/>
+          </a:lnRef>
+          <a:fillRef idx="3">
+            <a:schemeClr val="accent2"/>
+          </a:fillRef>
+          <a:effectRef idx="2">
+            <a:schemeClr val="accent2"/>
+          </a:effectRef>
+          <a:fontRef idx="minor">
+            <a:schemeClr val="lt1"/>
+          </a:fontRef>
+        </p:style>
+        <p:txBody>
+          <a:bodyPr rtlCol="0" anchor="ctr"/>
+          <a:lstStyle/>
+          <a:p>
+            <a:pPr algn="ctr"/>
+            <a:r>
+              <a:rPr lang="en-US" altLang="ja-JP" sz="1200" smtClean="0">
+                <a:latin typeface="Nyala" pitchFamily="2" charset="0"/>
+                <a:cs typeface="Consolas" pitchFamily="49" charset="0"/>
+              </a:rPr>
+              <a:t>fill</a:t>
+            </a:r>
+            <a:endParaRPr kumimoji="1" lang="ja-JP" altLang="en-US" sz="1200">
+              <a:latin typeface="Nyala" pitchFamily="2" charset="0"/>
+              <a:cs typeface="Consolas" pitchFamily="49" charset="0"/>
+            </a:endParaRPr>
+          </a:p>
+        </p:txBody>
+      </p:sp>
+      <p:sp>
+        <p:nvSpPr>
+          <p:cNvPr id="110" name="角丸四角形 109"/>
+          <p:cNvSpPr/>
+          <p:nvPr/>
+        </p:nvSpPr>
+        <p:spPr>
+          <a:xfrm>
+            <a:off x="4427984" y="2708920"/>
+            <a:ext cx="720080" cy="216024"/>
+          </a:xfrm>
+          <a:prstGeom prst="roundRect">
+            <a:avLst/>
+          </a:prstGeom>
+        </p:spPr>
+        <p:style>
+          <a:lnRef idx="1">
+            <a:schemeClr val="accent4"/>
+          </a:lnRef>
+          <a:fillRef idx="3">
+            <a:schemeClr val="accent4"/>
+          </a:fillRef>
+          <a:effectRef idx="2">
+            <a:schemeClr val="accent4"/>
+          </a:effectRef>
+          <a:fontRef idx="minor">
+            <a:schemeClr val="lt1"/>
+          </a:fontRef>
+        </p:style>
+        <p:txBody>
+          <a:bodyPr rtlCol="0" anchor="ctr"/>
+          <a:lstStyle/>
+          <a:p>
+            <a:pPr algn="ctr"/>
+            <a:r>
+              <a:rPr lang="en-US" altLang="ja-JP" sz="1200" smtClean="0">
+                <a:latin typeface="Nyala" pitchFamily="2" charset="0"/>
+                <a:cs typeface="Consolas" pitchFamily="49" charset="0"/>
+              </a:rPr>
+              <a:t>thickness</a:t>
+            </a:r>
+            <a:endParaRPr kumimoji="1" lang="ja-JP" altLang="en-US" sz="1200">
+              <a:latin typeface="Nyala" pitchFamily="2" charset="0"/>
+              <a:cs typeface="Consolas" pitchFamily="49" charset="0"/>
+            </a:endParaRPr>
+          </a:p>
+        </p:txBody>
+      </p:sp>
+      <p:sp>
+        <p:nvSpPr>
+          <p:cNvPr id="111" name="角丸四角形 110"/>
+          <p:cNvSpPr/>
+          <p:nvPr/>
+        </p:nvSpPr>
+        <p:spPr>
+          <a:xfrm>
+            <a:off x="3707904" y="2708920"/>
+            <a:ext cx="648072" cy="216024"/>
+          </a:xfrm>
+          <a:prstGeom prst="roundRect">
+            <a:avLst/>
+          </a:prstGeom>
+        </p:spPr>
+        <p:style>
+          <a:lnRef idx="1">
+            <a:schemeClr val="accent2"/>
+          </a:lnRef>
+          <a:fillRef idx="3">
+            <a:schemeClr val="accent2"/>
+          </a:fillRef>
+          <a:effectRef idx="2">
+            <a:schemeClr val="accent2"/>
+          </a:effectRef>
+          <a:fontRef idx="minor">
+            <a:schemeClr val="lt1"/>
+          </a:fontRef>
+        </p:style>
+        <p:txBody>
+          <a:bodyPr rtlCol="0" anchor="ctr"/>
+          <a:lstStyle/>
+          <a:p>
+            <a:pPr algn="ctr"/>
+            <a:r>
+              <a:rPr lang="en-US" altLang="ja-JP" sz="1200" smtClean="0">
+                <a:latin typeface="Nyala" pitchFamily="2" charset="0"/>
+                <a:cs typeface="Consolas" pitchFamily="49" charset="0"/>
+              </a:rPr>
+              <a:t>convert</a:t>
+            </a:r>
+            <a:endParaRPr kumimoji="1" lang="ja-JP" altLang="en-US" sz="1200">
+              <a:latin typeface="Nyala" pitchFamily="2" charset="0"/>
+              <a:cs typeface="Consolas" pitchFamily="49" charset="0"/>
+            </a:endParaRPr>
+          </a:p>
+        </p:txBody>
+      </p:sp>
+      <p:cxnSp>
+        <p:nvCxnSpPr>
+          <p:cNvPr id="89" name="直線コネクタ 88"/>
+          <p:cNvCxnSpPr/>
+          <p:nvPr/>
+        </p:nvCxnSpPr>
+        <p:spPr>
+          <a:xfrm>
+            <a:off x="1475656" y="836712"/>
+            <a:ext cx="1152128" cy="0"/>
+          </a:xfrm>
+          <a:prstGeom prst="line">
+            <a:avLst/>
+          </a:prstGeom>
+        </p:spPr>
+        <p:style>
+          <a:lnRef idx="2">
+            <a:schemeClr val="dk1"/>
+          </a:lnRef>
+          <a:fillRef idx="0">
+            <a:schemeClr val="dk1"/>
+          </a:fillRef>
+          <a:effectRef idx="1">
+            <a:schemeClr val="dk1"/>
+          </a:effectRef>
+          <a:fontRef idx="minor">
+            <a:schemeClr val="tx1"/>
+          </a:fontRef>
+        </p:style>
+      </p:cxnSp>
+      <p:cxnSp>
+        <p:nvCxnSpPr>
+          <p:cNvPr id="91" name="直線コネクタ 90"/>
+          <p:cNvCxnSpPr/>
+          <p:nvPr/>
+        </p:nvCxnSpPr>
+        <p:spPr>
+          <a:xfrm>
+            <a:off x="3131840" y="1556792"/>
+            <a:ext cx="1152128" cy="0"/>
+          </a:xfrm>
+          <a:prstGeom prst="line">
+            <a:avLst/>
+          </a:prstGeom>
+        </p:spPr>
+        <p:style>
+          <a:lnRef idx="2">
+            <a:schemeClr val="dk1"/>
+          </a:lnRef>
+          <a:fillRef idx="0">
+            <a:schemeClr val="dk1"/>
+          </a:fillRef>
+          <a:effectRef idx="1">
+            <a:schemeClr val="dk1"/>
+          </a:effectRef>
+          <a:fontRef idx="minor">
+            <a:schemeClr val="tx1"/>
+          </a:fontRef>
+        </p:style>
+      </p:cxnSp>
+      <p:cxnSp>
+        <p:nvCxnSpPr>
+          <p:cNvPr id="105" name="直線コネクタ 104"/>
+          <p:cNvCxnSpPr/>
+          <p:nvPr/>
+        </p:nvCxnSpPr>
+        <p:spPr>
+          <a:xfrm>
+            <a:off x="1403648" y="2276872"/>
+            <a:ext cx="1152128" cy="0"/>
+          </a:xfrm>
+          <a:prstGeom prst="line">
+            <a:avLst/>
+          </a:prstGeom>
+        </p:spPr>
+        <p:style>
+          <a:lnRef idx="2">
+            <a:schemeClr val="dk1"/>
+          </a:lnRef>
+          <a:fillRef idx="0">
+            <a:schemeClr val="dk1"/>
+          </a:fillRef>
+          <a:effectRef idx="1">
+            <a:schemeClr val="dk1"/>
+          </a:effectRef>
+          <a:fontRef idx="minor">
+            <a:schemeClr val="tx1"/>
+          </a:fontRef>
+        </p:style>
+      </p:cxnSp>
+      <p:cxnSp>
+        <p:nvCxnSpPr>
+          <p:cNvPr id="107" name="直線コネクタ 106"/>
+          <p:cNvCxnSpPr/>
+          <p:nvPr/>
+        </p:nvCxnSpPr>
+        <p:spPr>
+          <a:xfrm>
+            <a:off x="3203848" y="2996952"/>
+            <a:ext cx="1152128" cy="0"/>
+          </a:xfrm>
+          <a:prstGeom prst="line">
+            <a:avLst/>
+          </a:prstGeom>
+        </p:spPr>
+        <p:style>
+          <a:lnRef idx="2">
+            <a:schemeClr val="dk1"/>
+          </a:lnRef>
+          <a:fillRef idx="0">
+            <a:schemeClr val="dk1"/>
+          </a:fillRef>
+          <a:effectRef idx="1">
+            <a:schemeClr val="dk1"/>
+          </a:effectRef>
+          <a:fontRef idx="minor">
+            <a:schemeClr val="tx1"/>
+          </a:fontRef>
+        </p:style>
+      </p:cxnSp>
+      <p:cxnSp>
+        <p:nvCxnSpPr>
+          <p:cNvPr id="108" name="直線コネクタ 107"/>
+          <p:cNvCxnSpPr/>
+          <p:nvPr/>
+        </p:nvCxnSpPr>
+        <p:spPr>
+          <a:xfrm>
+            <a:off x="3851920" y="3717032"/>
+            <a:ext cx="1152128" cy="0"/>
+          </a:xfrm>
+          <a:prstGeom prst="line">
+            <a:avLst/>
+          </a:prstGeom>
+        </p:spPr>
+        <p:style>
+          <a:lnRef idx="2">
+            <a:schemeClr val="dk1"/>
+          </a:lnRef>
+          <a:fillRef idx="0">
+            <a:schemeClr val="dk1"/>
+          </a:fillRef>
+          <a:effectRef idx="1">
+            <a:schemeClr val="dk1"/>
+          </a:effectRef>
+          <a:fontRef idx="minor">
+            <a:schemeClr val="tx1"/>
+          </a:fontRef>
+        </p:style>
+      </p:cxnSp>
+      <p:cxnSp>
+        <p:nvCxnSpPr>
+          <p:cNvPr id="112" name="直線コネクタ 111"/>
+          <p:cNvCxnSpPr/>
+          <p:nvPr/>
+        </p:nvCxnSpPr>
+        <p:spPr>
+          <a:xfrm>
+            <a:off x="6156176" y="4437112"/>
+            <a:ext cx="1152128" cy="0"/>
+          </a:xfrm>
+          <a:prstGeom prst="line">
+            <a:avLst/>
+          </a:prstGeom>
+        </p:spPr>
+        <p:style>
+          <a:lnRef idx="2">
+            <a:schemeClr val="dk1"/>
+          </a:lnRef>
+          <a:fillRef idx="0">
+            <a:schemeClr val="dk1"/>
+          </a:fillRef>
+          <a:effectRef idx="1">
+            <a:schemeClr val="dk1"/>
+          </a:effectRef>
+          <a:fontRef idx="minor">
+            <a:schemeClr val="tx1"/>
+          </a:fontRef>
+        </p:style>
+      </p:cxnSp>
     </p:spTree>
   </p:cSld>
   <p:clrMapOvr>
